--- a/doc/技术交流/技术交流-2017-8-28.pptx
+++ b/doc/技术交流/技术交流-2017-8-28.pptx
@@ -5,13 +5,14 @@
     <p:sldMasterId id="2147483660" r:id="rId2"/>
   </p:sldMasterIdLst>
   <p:notesMasterIdLst>
-    <p:notesMasterId r:id="rId7"/>
+    <p:notesMasterId r:id="rId8"/>
   </p:notesMasterIdLst>
   <p:sldIdLst>
     <p:sldId id="256" r:id="rId3"/>
     <p:sldId id="257" r:id="rId4"/>
     <p:sldId id="258" r:id="rId5"/>
     <p:sldId id="259" r:id="rId6"/>
+    <p:sldId id="260" r:id="rId7"/>
   </p:sldIdLst>
   <p:sldSz cx="12192000" cy="6858000"/>
   <p:notesSz cx="6858000" cy="9144000"/>
@@ -123,6 +124,7 @@
             <p14:sldId id="257"/>
             <p14:sldId id="258"/>
             <p14:sldId id="259"/>
+            <p14:sldId id="260"/>
           </p14:sldIdLst>
         </p14:section>
         <p14:section name="了解更多" id="{2CC34DB2-6590-42C0-AD4B-A04C6060184E}">
@@ -5833,7 +5835,7 @@
         </p:nvSpPr>
         <p:spPr>
           <a:xfrm>
-            <a:off x="5473494" y="3776351"/>
+            <a:off x="5473494" y="3899156"/>
             <a:ext cx="6718506" cy="369332"/>
           </a:xfrm>
           <a:prstGeom prst="rect">
@@ -6294,10 +6296,191 @@
           </a:p>
         </p:txBody>
       </p:sp>
+      <p:sp>
+        <p:nvSpPr>
+          <p:cNvPr id="10" name="矩形 9"/>
+          <p:cNvSpPr/>
+          <p:nvPr/>
+        </p:nvSpPr>
+        <p:spPr>
+          <a:xfrm>
+            <a:off x="91893" y="2892494"/>
+            <a:ext cx="4871847" cy="369332"/>
+          </a:xfrm>
+          <a:prstGeom prst="rect">
+            <a:avLst/>
+          </a:prstGeom>
+        </p:spPr>
+        <p:txBody>
+          <a:bodyPr wrap="none">
+            <a:spAutoFit/>
+          </a:bodyPr>
+          <a:lstStyle/>
+          <a:p>
+            <a:r>
+              <a:rPr lang="en-US" altLang="zh-CN" dirty="0" err="1">
+                <a:solidFill>
+                  <a:schemeClr val="bg1">
+                    <a:lumMod val="75000"/>
+                  </a:schemeClr>
+                </a:solidFill>
+                <a:highlight>
+                  <a:srgbClr val="E8F2FE"/>
+                </a:highlight>
+                <a:latin typeface="Courier New" panose="02070309020205020404" pitchFamily="49" charset="0"/>
+              </a:rPr>
+              <a:t>registrationDomainService.register</a:t>
+            </a:r>
+            <a:endParaRPr lang="zh-CN" altLang="en-US" dirty="0">
+              <a:solidFill>
+                <a:schemeClr val="bg1">
+                  <a:lumMod val="75000"/>
+                </a:schemeClr>
+              </a:solidFill>
+            </a:endParaRPr>
+          </a:p>
+        </p:txBody>
+      </p:sp>
     </p:spTree>
     <p:extLst>
       <p:ext uri="{BB962C8B-B14F-4D97-AF65-F5344CB8AC3E}">
         <p14:creationId xmlns:p14="http://schemas.microsoft.com/office/powerpoint/2010/main" val="1409549879"/>
+      </p:ext>
+    </p:extLst>
+  </p:cSld>
+  <p:clrMapOvr>
+    <a:masterClrMapping/>
+  </p:clrMapOvr>
+</p:sld>
+</file>
+
+<file path=ppt/slides/slide5.xml><?xml version="1.0" encoding="utf-8"?>
+<p:sld xmlns:a="http://schemas.openxmlformats.org/drawingml/2006/main" xmlns:r="http://schemas.openxmlformats.org/officeDocument/2006/relationships" xmlns:p="http://schemas.openxmlformats.org/presentationml/2006/main">
+  <p:cSld>
+    <p:spTree>
+      <p:nvGrpSpPr>
+        <p:cNvPr id="1" name=""/>
+        <p:cNvGrpSpPr/>
+        <p:nvPr/>
+      </p:nvGrpSpPr>
+      <p:grpSpPr>
+        <a:xfrm>
+          <a:off x="0" y="0"/>
+          <a:ext cx="0" cy="0"/>
+          <a:chOff x="0" y="0"/>
+          <a:chExt cx="0" cy="0"/>
+        </a:xfrm>
+      </p:grpSpPr>
+      <p:sp>
+        <p:nvSpPr>
+          <p:cNvPr id="2" name="标题 1"/>
+          <p:cNvSpPr>
+            <a:spLocks noGrp="1"/>
+          </p:cNvSpPr>
+          <p:nvPr>
+            <p:ph type="title"/>
+          </p:nvPr>
+        </p:nvSpPr>
+        <p:spPr/>
+        <p:txBody>
+          <a:bodyPr/>
+          <a:lstStyle/>
+          <a:p>
+            <a:r>
+              <a:rPr lang="zh-CN" altLang="en-US" dirty="0" smtClean="0"/>
+              <a:t>当前的核心</a:t>
+            </a:r>
+            <a:r>
+              <a:rPr lang="en-US" altLang="zh-CN" dirty="0" smtClean="0"/>
+              <a:t>API</a:t>
+            </a:r>
+            <a:endParaRPr lang="zh-CN" altLang="en-US" dirty="0"/>
+          </a:p>
+        </p:txBody>
+      </p:sp>
+      <p:sp>
+        <p:nvSpPr>
+          <p:cNvPr id="3" name="内容占位符 2"/>
+          <p:cNvSpPr>
+            <a:spLocks noGrp="1"/>
+          </p:cNvSpPr>
+          <p:nvPr>
+            <p:ph idx="1"/>
+          </p:nvPr>
+        </p:nvSpPr>
+        <p:spPr>
+          <a:xfrm>
+            <a:off x="838201" y="1825625"/>
+            <a:ext cx="7988299" cy="4351338"/>
+          </a:xfrm>
+        </p:spPr>
+        <p:txBody>
+          <a:bodyPr>
+            <a:normAutofit fontScale="92500" lnSpcReduction="10000"/>
+          </a:bodyPr>
+          <a:lstStyle/>
+          <a:p>
+            <a:r>
+              <a:rPr lang="en-US" altLang="zh-CN" dirty="0" err="1" smtClean="0"/>
+              <a:t>OrderDomainService</a:t>
+            </a:r>
+            <a:endParaRPr lang="en-US" altLang="zh-CN" dirty="0" smtClean="0"/>
+          </a:p>
+          <a:p>
+            <a:r>
+              <a:rPr lang="en-US" altLang="zh-CN" dirty="0" err="1" smtClean="0"/>
+              <a:t>OrderExecuteDomainService</a:t>
+            </a:r>
+            <a:endParaRPr lang="en-US" altLang="zh-CN" dirty="0" smtClean="0"/>
+          </a:p>
+          <a:p>
+            <a:r>
+              <a:rPr lang="en-US" altLang="zh-CN" dirty="0" err="1" smtClean="0"/>
+              <a:t>MedicalRecordDomainService</a:t>
+            </a:r>
+            <a:endParaRPr lang="en-US" altLang="zh-CN" dirty="0" smtClean="0"/>
+          </a:p>
+          <a:p>
+            <a:r>
+              <a:rPr lang="en-US" altLang="zh-CN" dirty="0" err="1" smtClean="0"/>
+              <a:t>CostDomainService</a:t>
+            </a:r>
+            <a:endParaRPr lang="en-US" altLang="zh-CN" dirty="0" smtClean="0"/>
+          </a:p>
+          <a:p>
+            <a:r>
+              <a:rPr lang="en-US" altLang="zh-CN" dirty="0" err="1"/>
+              <a:t>VisitDomainService</a:t>
+            </a:r>
+            <a:endParaRPr lang="en-US" altLang="zh-CN" dirty="0" smtClean="0"/>
+          </a:p>
+          <a:p>
+            <a:r>
+              <a:rPr lang="en-US" altLang="zh-CN" dirty="0" err="1" smtClean="0"/>
+              <a:t>TreatmentDomainService</a:t>
+            </a:r>
+            <a:endParaRPr lang="en-US" altLang="zh-CN" dirty="0" smtClean="0"/>
+          </a:p>
+          <a:p>
+            <a:r>
+              <a:rPr lang="en-US" altLang="zh-CN" dirty="0" err="1" smtClean="0"/>
+              <a:t>OrganizationAdminDomainService</a:t>
+            </a:r>
+            <a:endParaRPr lang="en-US" altLang="zh-CN" dirty="0" smtClean="0"/>
+          </a:p>
+          <a:p>
+            <a:r>
+              <a:rPr lang="en-US" altLang="zh-CN" dirty="0" err="1"/>
+              <a:t>UserAdminDomainService</a:t>
+            </a:r>
+            <a:endParaRPr lang="zh-CN" altLang="en-US" dirty="0"/>
+          </a:p>
+        </p:txBody>
+      </p:sp>
+    </p:spTree>
+    <p:extLst>
+      <p:ext uri="{BB962C8B-B14F-4D97-AF65-F5344CB8AC3E}">
+        <p14:creationId xmlns:p14="http://schemas.microsoft.com/office/powerpoint/2010/main" val="1860845237"/>
       </p:ext>
     </p:extLst>
   </p:cSld>

--- a/doc/技术交流/技术交流-2017-8-28.pptx
+++ b/doc/技术交流/技术交流-2017-8-28.pptx
@@ -5,7 +5,7 @@
     <p:sldMasterId id="2147483660" r:id="rId2"/>
   </p:sldMasterIdLst>
   <p:notesMasterIdLst>
-    <p:notesMasterId r:id="rId8"/>
+    <p:notesMasterId r:id="rId9"/>
   </p:notesMasterIdLst>
   <p:sldIdLst>
     <p:sldId id="256" r:id="rId3"/>
@@ -13,6 +13,7 @@
     <p:sldId id="258" r:id="rId5"/>
     <p:sldId id="259" r:id="rId6"/>
     <p:sldId id="260" r:id="rId7"/>
+    <p:sldId id="261" r:id="rId8"/>
   </p:sldIdLst>
   <p:sldSz cx="12192000" cy="6858000"/>
   <p:notesSz cx="6858000" cy="9144000"/>
@@ -125,6 +126,7 @@
             <p14:sldId id="258"/>
             <p14:sldId id="259"/>
             <p14:sldId id="260"/>
+            <p14:sldId id="261"/>
           </p14:sldIdLst>
         </p14:section>
         <p14:section name="了解更多" id="{2CC34DB2-6590-42C0-AD4B-A04C6060184E}">
@@ -6416,7 +6418,7 @@
         </p:spPr>
         <p:txBody>
           <a:bodyPr>
-            <a:normAutofit fontScale="92500" lnSpcReduction="10000"/>
+            <a:normAutofit fontScale="85000" lnSpcReduction="20000"/>
           </a:bodyPr>
           <a:lstStyle/>
           <a:p>
@@ -6430,6 +6432,13 @@
             <a:r>
               <a:rPr lang="en-US" altLang="zh-CN" dirty="0" err="1" smtClean="0"/>
               <a:t>OrderExecuteDomainService</a:t>
+            </a:r>
+            <a:endParaRPr lang="en-US" altLang="zh-CN" dirty="0" smtClean="0"/>
+          </a:p>
+          <a:p>
+            <a:r>
+              <a:rPr lang="en-US" altLang="zh-CN" dirty="0" err="1"/>
+              <a:t>OrderExecuteAppService</a:t>
             </a:r>
             <a:endParaRPr lang="en-US" altLang="zh-CN" dirty="0" smtClean="0"/>
           </a:p>
@@ -6481,6 +6490,1265 @@
     <p:extLst>
       <p:ext uri="{BB962C8B-B14F-4D97-AF65-F5344CB8AC3E}">
         <p14:creationId xmlns:p14="http://schemas.microsoft.com/office/powerpoint/2010/main" val="1860845237"/>
+      </p:ext>
+    </p:extLst>
+  </p:cSld>
+  <p:clrMapOvr>
+    <a:masterClrMapping/>
+  </p:clrMapOvr>
+</p:sld>
+</file>
+
+<file path=ppt/slides/slide6.xml><?xml version="1.0" encoding="utf-8"?>
+<p:sld xmlns:a="http://schemas.openxmlformats.org/drawingml/2006/main" xmlns:r="http://schemas.openxmlformats.org/officeDocument/2006/relationships" xmlns:p="http://schemas.openxmlformats.org/presentationml/2006/main">
+  <p:cSld>
+    <p:spTree>
+      <p:nvGrpSpPr>
+        <p:cNvPr id="1" name=""/>
+        <p:cNvGrpSpPr/>
+        <p:nvPr/>
+      </p:nvGrpSpPr>
+      <p:grpSpPr>
+        <a:xfrm>
+          <a:off x="0" y="0"/>
+          <a:ext cx="0" cy="0"/>
+          <a:chOff x="0" y="0"/>
+          <a:chExt cx="0" cy="0"/>
+        </a:xfrm>
+      </p:grpSpPr>
+      <p:sp>
+        <p:nvSpPr>
+          <p:cNvPr id="2" name="标题 1"/>
+          <p:cNvSpPr>
+            <a:spLocks noGrp="1"/>
+          </p:cNvSpPr>
+          <p:nvPr>
+            <p:ph type="title"/>
+          </p:nvPr>
+        </p:nvSpPr>
+        <p:spPr/>
+        <p:txBody>
+          <a:bodyPr/>
+          <a:lstStyle/>
+          <a:p>
+            <a:r>
+              <a:rPr lang="zh-CN" altLang="en-US" dirty="0" smtClean="0"/>
+              <a:t>应用和核心的互动</a:t>
+            </a:r>
+            <a:endParaRPr lang="zh-CN" altLang="en-US" dirty="0"/>
+          </a:p>
+        </p:txBody>
+      </p:sp>
+      <p:sp>
+        <p:nvSpPr>
+          <p:cNvPr id="4" name="椭圆 3"/>
+          <p:cNvSpPr/>
+          <p:nvPr/>
+        </p:nvSpPr>
+        <p:spPr>
+          <a:xfrm>
+            <a:off x="5296267" y="4111212"/>
+            <a:ext cx="286603" cy="275646"/>
+          </a:xfrm>
+          <a:prstGeom prst="ellipse">
+            <a:avLst/>
+          </a:prstGeom>
+        </p:spPr>
+        <p:style>
+          <a:lnRef idx="2">
+            <a:schemeClr val="accent1">
+              <a:shade val="50000"/>
+            </a:schemeClr>
+          </a:lnRef>
+          <a:fillRef idx="1">
+            <a:schemeClr val="accent1"/>
+          </a:fillRef>
+          <a:effectRef idx="0">
+            <a:schemeClr val="accent1"/>
+          </a:effectRef>
+          <a:fontRef idx="minor">
+            <a:schemeClr val="lt1"/>
+          </a:fontRef>
+        </p:style>
+        <p:txBody>
+          <a:bodyPr rtlCol="0" anchor="ctr"/>
+          <a:lstStyle/>
+          <a:p>
+            <a:pPr marL="285750" indent="-285750">
+              <a:buFont typeface="Arial" panose="020B0604020202020204" pitchFamily="34" charset="0"/>
+              <a:buChar char="•"/>
+            </a:pPr>
+            <a:endParaRPr lang="zh-CN" altLang="en-US" dirty="0"/>
+          </a:p>
+        </p:txBody>
+      </p:sp>
+      <p:cxnSp>
+        <p:nvCxnSpPr>
+          <p:cNvPr id="5" name="直接连接符 4"/>
+          <p:cNvCxnSpPr>
+            <a:stCxn id="4" idx="4"/>
+          </p:cNvCxnSpPr>
+          <p:nvPr/>
+        </p:nvCxnSpPr>
+        <p:spPr>
+          <a:xfrm flipH="1">
+            <a:off x="5431869" y="4386858"/>
+            <a:ext cx="7700" cy="458464"/>
+          </a:xfrm>
+          <a:prstGeom prst="line">
+            <a:avLst/>
+          </a:prstGeom>
+        </p:spPr>
+        <p:style>
+          <a:lnRef idx="1">
+            <a:schemeClr val="accent1"/>
+          </a:lnRef>
+          <a:fillRef idx="0">
+            <a:schemeClr val="accent1"/>
+          </a:fillRef>
+          <a:effectRef idx="0">
+            <a:schemeClr val="accent1"/>
+          </a:effectRef>
+          <a:fontRef idx="minor">
+            <a:schemeClr val="tx1"/>
+          </a:fontRef>
+        </p:style>
+      </p:cxnSp>
+      <p:sp>
+        <p:nvSpPr>
+          <p:cNvPr id="6" name="矩形 5"/>
+          <p:cNvSpPr/>
+          <p:nvPr/>
+        </p:nvSpPr>
+        <p:spPr>
+          <a:xfrm>
+            <a:off x="4727222" y="4845322"/>
+            <a:ext cx="1424695" cy="749841"/>
+          </a:xfrm>
+          <a:prstGeom prst="rect">
+            <a:avLst/>
+          </a:prstGeom>
+          <a:noFill/>
+        </p:spPr>
+        <p:style>
+          <a:lnRef idx="2">
+            <a:schemeClr val="accent1">
+              <a:shade val="50000"/>
+            </a:schemeClr>
+          </a:lnRef>
+          <a:fillRef idx="1">
+            <a:schemeClr val="accent1"/>
+          </a:fillRef>
+          <a:effectRef idx="0">
+            <a:schemeClr val="accent1"/>
+          </a:effectRef>
+          <a:fontRef idx="minor">
+            <a:schemeClr val="lt1"/>
+          </a:fontRef>
+        </p:style>
+        <p:txBody>
+          <a:bodyPr rtlCol="0" anchor="ctr"/>
+          <a:lstStyle/>
+          <a:p>
+            <a:pPr algn="ctr"/>
+            <a:r>
+              <a:rPr lang="zh-CN" altLang="en-US" dirty="0">
+                <a:solidFill>
+                  <a:schemeClr val="tx1"/>
+                </a:solidFill>
+              </a:rPr>
+              <a:t>核心</a:t>
+            </a:r>
+          </a:p>
+        </p:txBody>
+      </p:sp>
+      <p:sp>
+        <p:nvSpPr>
+          <p:cNvPr id="8" name="椭圆 7"/>
+          <p:cNvSpPr/>
+          <p:nvPr/>
+        </p:nvSpPr>
+        <p:spPr>
+          <a:xfrm>
+            <a:off x="3594467" y="5025612"/>
+            <a:ext cx="286603" cy="275646"/>
+          </a:xfrm>
+          <a:prstGeom prst="ellipse">
+            <a:avLst/>
+          </a:prstGeom>
+        </p:spPr>
+        <p:style>
+          <a:lnRef idx="2">
+            <a:schemeClr val="accent1">
+              <a:shade val="50000"/>
+            </a:schemeClr>
+          </a:lnRef>
+          <a:fillRef idx="1">
+            <a:schemeClr val="accent1"/>
+          </a:fillRef>
+          <a:effectRef idx="0">
+            <a:schemeClr val="accent1"/>
+          </a:effectRef>
+          <a:fontRef idx="minor">
+            <a:schemeClr val="lt1"/>
+          </a:fontRef>
+        </p:style>
+        <p:txBody>
+          <a:bodyPr rtlCol="0" anchor="ctr"/>
+          <a:lstStyle/>
+          <a:p>
+            <a:pPr marL="285750" indent="-285750">
+              <a:buFont typeface="Arial" panose="020B0604020202020204" pitchFamily="34" charset="0"/>
+              <a:buChar char="•"/>
+            </a:pPr>
+            <a:endParaRPr lang="zh-CN" altLang="en-US" dirty="0"/>
+          </a:p>
+        </p:txBody>
+      </p:sp>
+      <p:cxnSp>
+        <p:nvCxnSpPr>
+          <p:cNvPr id="9" name="直接连接符 8"/>
+          <p:cNvCxnSpPr>
+            <a:endCxn id="6" idx="1"/>
+          </p:cNvCxnSpPr>
+          <p:nvPr/>
+        </p:nvCxnSpPr>
+        <p:spPr>
+          <a:xfrm>
+            <a:off x="3886200" y="5197332"/>
+            <a:ext cx="841022" cy="22911"/>
+          </a:xfrm>
+          <a:prstGeom prst="line">
+            <a:avLst/>
+          </a:prstGeom>
+        </p:spPr>
+        <p:style>
+          <a:lnRef idx="1">
+            <a:schemeClr val="accent1"/>
+          </a:lnRef>
+          <a:fillRef idx="0">
+            <a:schemeClr val="accent1"/>
+          </a:fillRef>
+          <a:effectRef idx="0">
+            <a:schemeClr val="accent1"/>
+          </a:effectRef>
+          <a:fontRef idx="minor">
+            <a:schemeClr val="tx1"/>
+          </a:fontRef>
+        </p:style>
+      </p:cxnSp>
+      <p:sp>
+        <p:nvSpPr>
+          <p:cNvPr id="12" name="矩形 11"/>
+          <p:cNvSpPr/>
+          <p:nvPr/>
+        </p:nvSpPr>
+        <p:spPr>
+          <a:xfrm>
+            <a:off x="4727222" y="2399690"/>
+            <a:ext cx="1424695" cy="749841"/>
+          </a:xfrm>
+          <a:prstGeom prst="rect">
+            <a:avLst/>
+          </a:prstGeom>
+          <a:noFill/>
+        </p:spPr>
+        <p:style>
+          <a:lnRef idx="2">
+            <a:schemeClr val="accent1">
+              <a:shade val="50000"/>
+            </a:schemeClr>
+          </a:lnRef>
+          <a:fillRef idx="1">
+            <a:schemeClr val="accent1"/>
+          </a:fillRef>
+          <a:effectRef idx="0">
+            <a:schemeClr val="accent1"/>
+          </a:effectRef>
+          <a:fontRef idx="minor">
+            <a:schemeClr val="lt1"/>
+          </a:fontRef>
+        </p:style>
+        <p:txBody>
+          <a:bodyPr rtlCol="0" anchor="ctr"/>
+          <a:lstStyle/>
+          <a:p>
+            <a:pPr algn="ctr"/>
+            <a:r>
+              <a:rPr lang="zh-CN" altLang="en-US" dirty="0">
+                <a:solidFill>
+                  <a:schemeClr val="tx1"/>
+                </a:solidFill>
+              </a:rPr>
+              <a:t>应用</a:t>
+            </a:r>
+          </a:p>
+        </p:txBody>
+      </p:sp>
+      <p:cxnSp>
+        <p:nvCxnSpPr>
+          <p:cNvPr id="13" name="直接连接符 12"/>
+          <p:cNvCxnSpPr>
+            <a:stCxn id="12" idx="2"/>
+          </p:cNvCxnSpPr>
+          <p:nvPr/>
+        </p:nvCxnSpPr>
+        <p:spPr>
+          <a:xfrm flipH="1">
+            <a:off x="5431869" y="3149531"/>
+            <a:ext cx="7701" cy="809743"/>
+          </a:xfrm>
+          <a:prstGeom prst="line">
+            <a:avLst/>
+          </a:prstGeom>
+        </p:spPr>
+        <p:style>
+          <a:lnRef idx="1">
+            <a:schemeClr val="accent1"/>
+          </a:lnRef>
+          <a:fillRef idx="0">
+            <a:schemeClr val="accent1"/>
+          </a:fillRef>
+          <a:effectRef idx="0">
+            <a:schemeClr val="accent1"/>
+          </a:effectRef>
+          <a:fontRef idx="minor">
+            <a:schemeClr val="tx1"/>
+          </a:fontRef>
+        </p:style>
+      </p:cxnSp>
+      <p:sp>
+        <p:nvSpPr>
+          <p:cNvPr id="16" name="新月形 15"/>
+          <p:cNvSpPr/>
+          <p:nvPr/>
+        </p:nvSpPr>
+        <p:spPr>
+          <a:xfrm rot="5400000">
+            <a:off x="5368369" y="3855092"/>
+            <a:ext cx="127000" cy="342900"/>
+          </a:xfrm>
+          <a:prstGeom prst="moon">
+            <a:avLst>
+              <a:gd name="adj" fmla="val 0"/>
+            </a:avLst>
+          </a:prstGeom>
+        </p:spPr>
+        <p:style>
+          <a:lnRef idx="2">
+            <a:schemeClr val="accent1">
+              <a:shade val="50000"/>
+            </a:schemeClr>
+          </a:lnRef>
+          <a:fillRef idx="1">
+            <a:schemeClr val="accent1"/>
+          </a:fillRef>
+          <a:effectRef idx="0">
+            <a:schemeClr val="accent1"/>
+          </a:effectRef>
+          <a:fontRef idx="minor">
+            <a:schemeClr val="lt1"/>
+          </a:fontRef>
+        </p:style>
+        <p:txBody>
+          <a:bodyPr rtlCol="0" anchor="ctr"/>
+          <a:lstStyle/>
+          <a:p>
+            <a:pPr algn="ctr"/>
+            <a:endParaRPr lang="zh-CN" altLang="en-US"/>
+          </a:p>
+        </p:txBody>
+      </p:sp>
+      <p:sp>
+        <p:nvSpPr>
+          <p:cNvPr id="17" name="流程图: 磁盘 16"/>
+          <p:cNvSpPr/>
+          <p:nvPr/>
+        </p:nvSpPr>
+        <p:spPr>
+          <a:xfrm>
+            <a:off x="7575853" y="2459112"/>
+            <a:ext cx="914400" cy="612648"/>
+          </a:xfrm>
+          <a:prstGeom prst="flowChartMagneticDisk">
+            <a:avLst/>
+          </a:prstGeom>
+          <a:noFill/>
+        </p:spPr>
+        <p:style>
+          <a:lnRef idx="2">
+            <a:schemeClr val="accent1">
+              <a:shade val="50000"/>
+            </a:schemeClr>
+          </a:lnRef>
+          <a:fillRef idx="1">
+            <a:schemeClr val="accent1"/>
+          </a:fillRef>
+          <a:effectRef idx="0">
+            <a:schemeClr val="accent1"/>
+          </a:effectRef>
+          <a:fontRef idx="minor">
+            <a:schemeClr val="lt1"/>
+          </a:fontRef>
+        </p:style>
+        <p:txBody>
+          <a:bodyPr rtlCol="0" anchor="ctr"/>
+          <a:lstStyle/>
+          <a:p>
+            <a:pPr algn="ctr"/>
+            <a:r>
+              <a:rPr lang="zh-CN" altLang="en-US" sz="1400" dirty="0" smtClean="0">
+                <a:solidFill>
+                  <a:schemeClr val="bg1">
+                    <a:lumMod val="50000"/>
+                  </a:schemeClr>
+                </a:solidFill>
+              </a:rPr>
+              <a:t>应用库</a:t>
+            </a:r>
+            <a:endParaRPr lang="zh-CN" altLang="en-US" dirty="0">
+              <a:solidFill>
+                <a:schemeClr val="bg1">
+                  <a:lumMod val="50000"/>
+                </a:schemeClr>
+              </a:solidFill>
+            </a:endParaRPr>
+          </a:p>
+        </p:txBody>
+      </p:sp>
+      <p:cxnSp>
+        <p:nvCxnSpPr>
+          <p:cNvPr id="19" name="直接连接符 18"/>
+          <p:cNvCxnSpPr>
+            <a:stCxn id="12" idx="3"/>
+            <a:endCxn id="17" idx="2"/>
+          </p:cNvCxnSpPr>
+          <p:nvPr/>
+        </p:nvCxnSpPr>
+        <p:spPr>
+          <a:xfrm flipV="1">
+            <a:off x="6151917" y="2765436"/>
+            <a:ext cx="1423936" cy="9175"/>
+          </a:xfrm>
+          <a:prstGeom prst="line">
+            <a:avLst/>
+          </a:prstGeom>
+        </p:spPr>
+        <p:style>
+          <a:lnRef idx="1">
+            <a:schemeClr val="accent1"/>
+          </a:lnRef>
+          <a:fillRef idx="0">
+            <a:schemeClr val="accent1"/>
+          </a:fillRef>
+          <a:effectRef idx="0">
+            <a:schemeClr val="accent1"/>
+          </a:effectRef>
+          <a:fontRef idx="minor">
+            <a:schemeClr val="tx1"/>
+          </a:fontRef>
+        </p:style>
+      </p:cxnSp>
+      <p:sp>
+        <p:nvSpPr>
+          <p:cNvPr id="20" name="内容占位符 3"/>
+          <p:cNvSpPr txBox="1">
+            <a:spLocks noGrp="1"/>
+          </p:cNvSpPr>
+          <p:nvPr>
+            <p:ph idx="1"/>
+          </p:nvPr>
+        </p:nvSpPr>
+        <p:spPr>
+          <a:xfrm>
+            <a:off x="5869935" y="1474910"/>
+            <a:ext cx="6044561" cy="461665"/>
+          </a:xfrm>
+          <a:prstGeom prst="rect">
+            <a:avLst/>
+          </a:prstGeom>
+          <a:noFill/>
+        </p:spPr>
+        <p:txBody>
+          <a:bodyPr wrap="square" rtlCol="0">
+            <a:spAutoFit/>
+          </a:bodyPr>
+          <a:lstStyle/>
+          <a:p>
+            <a:r>
+              <a:rPr lang="en-US" altLang="zh-CN" dirty="0" smtClean="0"/>
+              <a:t>1</a:t>
+            </a:r>
+            <a:r>
+              <a:rPr lang="zh-CN" altLang="en-US" dirty="0" smtClean="0"/>
+              <a:t>、应用有自己的存储，也包括对核心进行扩展时创建的存储；</a:t>
+            </a:r>
+            <a:endParaRPr lang="zh-CN" altLang="en-US" dirty="0"/>
+          </a:p>
+        </p:txBody>
+      </p:sp>
+      <p:cxnSp>
+        <p:nvCxnSpPr>
+          <p:cNvPr id="22" name="直接连接符 21"/>
+          <p:cNvCxnSpPr/>
+          <p:nvPr/>
+        </p:nvCxnSpPr>
+        <p:spPr>
+          <a:xfrm flipH="1">
+            <a:off x="6863886" y="2006489"/>
+            <a:ext cx="711967" cy="758947"/>
+          </a:xfrm>
+          <a:prstGeom prst="line">
+            <a:avLst/>
+          </a:prstGeom>
+          <a:ln>
+            <a:solidFill>
+              <a:schemeClr val="tx1">
+                <a:lumMod val="50000"/>
+                <a:lumOff val="50000"/>
+              </a:schemeClr>
+            </a:solidFill>
+          </a:ln>
+        </p:spPr>
+        <p:style>
+          <a:lnRef idx="1">
+            <a:schemeClr val="accent1"/>
+          </a:lnRef>
+          <a:fillRef idx="0">
+            <a:schemeClr val="accent1"/>
+          </a:fillRef>
+          <a:effectRef idx="0">
+            <a:schemeClr val="accent1"/>
+          </a:effectRef>
+          <a:fontRef idx="minor">
+            <a:schemeClr val="tx1"/>
+          </a:fontRef>
+        </p:style>
+      </p:cxnSp>
+      <p:sp>
+        <p:nvSpPr>
+          <p:cNvPr id="36" name="右弧形箭头 35"/>
+          <p:cNvSpPr/>
+          <p:nvPr/>
+        </p:nvSpPr>
+        <p:spPr>
+          <a:xfrm flipV="1">
+            <a:off x="6261419" y="2844525"/>
+            <a:ext cx="731520" cy="2229498"/>
+          </a:xfrm>
+          <a:prstGeom prst="curvedLeftArrow">
+            <a:avLst>
+              <a:gd name="adj1" fmla="val 25000"/>
+              <a:gd name="adj2" fmla="val 57522"/>
+              <a:gd name="adj3" fmla="val 25000"/>
+            </a:avLst>
+          </a:prstGeom>
+          <a:solidFill>
+            <a:schemeClr val="bg1">
+              <a:lumMod val="85000"/>
+            </a:schemeClr>
+          </a:solidFill>
+          <a:ln>
+            <a:noFill/>
+          </a:ln>
+        </p:spPr>
+        <p:style>
+          <a:lnRef idx="2">
+            <a:schemeClr val="accent1">
+              <a:shade val="50000"/>
+            </a:schemeClr>
+          </a:lnRef>
+          <a:fillRef idx="1">
+            <a:schemeClr val="accent1"/>
+          </a:fillRef>
+          <a:effectRef idx="0">
+            <a:schemeClr val="accent1"/>
+          </a:effectRef>
+          <a:fontRef idx="minor">
+            <a:schemeClr val="lt1"/>
+          </a:fontRef>
+        </p:style>
+        <p:txBody>
+          <a:bodyPr rtlCol="0" anchor="ctr"/>
+          <a:lstStyle/>
+          <a:p>
+            <a:pPr algn="ctr"/>
+            <a:endParaRPr lang="zh-CN" altLang="en-US">
+              <a:solidFill>
+                <a:schemeClr val="tx1"/>
+              </a:solidFill>
+            </a:endParaRPr>
+          </a:p>
+        </p:txBody>
+      </p:sp>
+      <p:sp>
+        <p:nvSpPr>
+          <p:cNvPr id="37" name="内容占位符 3"/>
+          <p:cNvSpPr txBox="1">
+            <a:spLocks/>
+          </p:cNvSpPr>
+          <p:nvPr/>
+        </p:nvSpPr>
+        <p:spPr>
+          <a:xfrm>
+            <a:off x="7103887" y="3728441"/>
+            <a:ext cx="4525452" cy="461665"/>
+          </a:xfrm>
+          <a:prstGeom prst="rect">
+            <a:avLst/>
+          </a:prstGeom>
+          <a:noFill/>
+        </p:spPr>
+        <p:txBody>
+          <a:bodyPr vert="horz" wrap="square" lIns="91440" tIns="45720" rIns="91440" bIns="45720" rtlCol="0">
+            <a:spAutoFit/>
+          </a:bodyPr>
+          <a:lstStyle>
+            <a:lvl1pPr marL="0" indent="0" algn="l" defTabSz="914400" rtl="0" eaLnBrk="1" latinLnBrk="0" hangingPunct="1">
+              <a:lnSpc>
+                <a:spcPct val="150000"/>
+              </a:lnSpc>
+              <a:spcBef>
+                <a:spcPct val="30000"/>
+              </a:spcBef>
+              <a:spcAft>
+                <a:spcPts val="1200"/>
+              </a:spcAft>
+              <a:buFont typeface="Arial" panose="020B0604020202020204" pitchFamily="34" charset="0"/>
+              <a:buNone/>
+              <a:defRPr lang="zh-CN" sz="1600" kern="1200">
+                <a:solidFill>
+                  <a:schemeClr val="bg1">
+                    <a:lumMod val="50000"/>
+                  </a:schemeClr>
+                </a:solidFill>
+                <a:latin typeface="Microsoft YaHei UI" panose="020B0503020204020204" pitchFamily="34" charset="-122"/>
+                <a:ea typeface="Microsoft YaHei UI" panose="020B0503020204020204" pitchFamily="34" charset="-122"/>
+                <a:cs typeface="+mn-cs"/>
+              </a:defRPr>
+            </a:lvl1pPr>
+            <a:lvl2pPr marL="685800" indent="-228600" algn="l" defTabSz="914400" rtl="0" eaLnBrk="1" latinLnBrk="0" hangingPunct="1">
+              <a:lnSpc>
+                <a:spcPct val="150000"/>
+              </a:lnSpc>
+              <a:spcBef>
+                <a:spcPct val="30000"/>
+              </a:spcBef>
+              <a:spcAft>
+                <a:spcPts val="1200"/>
+              </a:spcAft>
+              <a:buFont typeface="Arial" panose="020B0604020202020204" pitchFamily="34" charset="0"/>
+              <a:buChar char="•"/>
+              <a:defRPr lang="zh-CN" sz="1400" kern="1200">
+                <a:solidFill>
+                  <a:schemeClr val="bg1">
+                    <a:lumMod val="50000"/>
+                  </a:schemeClr>
+                </a:solidFill>
+                <a:latin typeface="Microsoft YaHei UI" panose="020B0503020204020204" pitchFamily="34" charset="-122"/>
+                <a:ea typeface="Microsoft YaHei UI" panose="020B0503020204020204" pitchFamily="34" charset="-122"/>
+                <a:cs typeface="+mn-cs"/>
+              </a:defRPr>
+            </a:lvl2pPr>
+            <a:lvl3pPr marL="1143000" indent="-228600" algn="l" defTabSz="914400" rtl="0" eaLnBrk="1" latinLnBrk="0" hangingPunct="1">
+              <a:lnSpc>
+                <a:spcPct val="150000"/>
+              </a:lnSpc>
+              <a:spcBef>
+                <a:spcPct val="30000"/>
+              </a:spcBef>
+              <a:spcAft>
+                <a:spcPts val="1200"/>
+              </a:spcAft>
+              <a:buFont typeface="Arial" panose="020B0604020202020204" pitchFamily="34" charset="0"/>
+              <a:buChar char="•"/>
+              <a:defRPr lang="zh-CN" sz="1200" kern="1200">
+                <a:solidFill>
+                  <a:schemeClr val="bg1">
+                    <a:lumMod val="50000"/>
+                  </a:schemeClr>
+                </a:solidFill>
+                <a:latin typeface="Microsoft YaHei UI" panose="020B0503020204020204" pitchFamily="34" charset="-122"/>
+                <a:ea typeface="Microsoft YaHei UI" panose="020B0503020204020204" pitchFamily="34" charset="-122"/>
+                <a:cs typeface="+mn-cs"/>
+              </a:defRPr>
+            </a:lvl3pPr>
+            <a:lvl4pPr marL="1600200" indent="-228600" algn="l" defTabSz="914400" rtl="0" eaLnBrk="1" latinLnBrk="0" hangingPunct="1">
+              <a:lnSpc>
+                <a:spcPct val="150000"/>
+              </a:lnSpc>
+              <a:spcBef>
+                <a:spcPct val="30000"/>
+              </a:spcBef>
+              <a:spcAft>
+                <a:spcPts val="1200"/>
+              </a:spcAft>
+              <a:buFont typeface="Arial" panose="020B0604020202020204" pitchFamily="34" charset="0"/>
+              <a:buChar char="•"/>
+              <a:defRPr lang="zh-CN" sz="1100" kern="1200">
+                <a:solidFill>
+                  <a:schemeClr val="bg1">
+                    <a:lumMod val="50000"/>
+                  </a:schemeClr>
+                </a:solidFill>
+                <a:latin typeface="Microsoft YaHei UI" panose="020B0503020204020204" pitchFamily="34" charset="-122"/>
+                <a:ea typeface="Microsoft YaHei UI" panose="020B0503020204020204" pitchFamily="34" charset="-122"/>
+                <a:cs typeface="+mn-cs"/>
+              </a:defRPr>
+            </a:lvl4pPr>
+            <a:lvl5pPr marL="2057400" indent="-228600" algn="l" defTabSz="914400" rtl="0" eaLnBrk="1" latinLnBrk="0" hangingPunct="1">
+              <a:lnSpc>
+                <a:spcPct val="150000"/>
+              </a:lnSpc>
+              <a:spcBef>
+                <a:spcPct val="30000"/>
+              </a:spcBef>
+              <a:spcAft>
+                <a:spcPts val="1200"/>
+              </a:spcAft>
+              <a:buFont typeface="Arial" panose="020B0604020202020204" pitchFamily="34" charset="0"/>
+              <a:buChar char="•"/>
+              <a:defRPr lang="zh-CN" sz="1100" kern="1200">
+                <a:solidFill>
+                  <a:schemeClr val="bg1">
+                    <a:lumMod val="50000"/>
+                  </a:schemeClr>
+                </a:solidFill>
+                <a:latin typeface="Microsoft YaHei UI" panose="020B0503020204020204" pitchFamily="34" charset="-122"/>
+                <a:ea typeface="Microsoft YaHei UI" panose="020B0503020204020204" pitchFamily="34" charset="-122"/>
+                <a:cs typeface="+mn-cs"/>
+              </a:defRPr>
+            </a:lvl5pPr>
+            <a:lvl6pPr marL="2514600" indent="-228600" algn="l" defTabSz="914400" rtl="0" eaLnBrk="1" latinLnBrk="0" hangingPunct="1">
+              <a:lnSpc>
+                <a:spcPct val="90000"/>
+              </a:lnSpc>
+              <a:spcBef>
+                <a:spcPct val="30000"/>
+              </a:spcBef>
+              <a:buFont typeface="Arial" panose="020B0604020202020204" pitchFamily="34" charset="0"/>
+              <a:buChar char="•"/>
+              <a:defRPr lang="zh-CN" sz="1800" kern="1200">
+                <a:solidFill>
+                  <a:schemeClr val="tx1"/>
+                </a:solidFill>
+                <a:latin typeface="+mn-lt"/>
+                <a:ea typeface="+mn-ea"/>
+                <a:cs typeface="+mn-cs"/>
+              </a:defRPr>
+            </a:lvl6pPr>
+            <a:lvl7pPr marL="2971800" indent="-228600" algn="l" defTabSz="914400" rtl="0" eaLnBrk="1" latinLnBrk="0" hangingPunct="1">
+              <a:lnSpc>
+                <a:spcPct val="90000"/>
+              </a:lnSpc>
+              <a:spcBef>
+                <a:spcPct val="30000"/>
+              </a:spcBef>
+              <a:buFont typeface="Arial" panose="020B0604020202020204" pitchFamily="34" charset="0"/>
+              <a:buChar char="•"/>
+              <a:defRPr lang="zh-CN" sz="1800" kern="1200">
+                <a:solidFill>
+                  <a:schemeClr val="tx1"/>
+                </a:solidFill>
+                <a:latin typeface="+mn-lt"/>
+                <a:ea typeface="+mn-ea"/>
+                <a:cs typeface="+mn-cs"/>
+              </a:defRPr>
+            </a:lvl7pPr>
+            <a:lvl8pPr marL="3429000" indent="-228600" algn="l" defTabSz="914400" rtl="0" eaLnBrk="1" latinLnBrk="0" hangingPunct="1">
+              <a:lnSpc>
+                <a:spcPct val="90000"/>
+              </a:lnSpc>
+              <a:spcBef>
+                <a:spcPct val="30000"/>
+              </a:spcBef>
+              <a:buFont typeface="Arial" panose="020B0604020202020204" pitchFamily="34" charset="0"/>
+              <a:buChar char="•"/>
+              <a:defRPr lang="zh-CN" sz="1800" kern="1200">
+                <a:solidFill>
+                  <a:schemeClr val="tx1"/>
+                </a:solidFill>
+                <a:latin typeface="+mn-lt"/>
+                <a:ea typeface="+mn-ea"/>
+                <a:cs typeface="+mn-cs"/>
+              </a:defRPr>
+            </a:lvl8pPr>
+            <a:lvl9pPr marL="3886200" indent="-228600" algn="l" defTabSz="914400" rtl="0" eaLnBrk="1" latinLnBrk="0" hangingPunct="1">
+              <a:lnSpc>
+                <a:spcPct val="90000"/>
+              </a:lnSpc>
+              <a:spcBef>
+                <a:spcPct val="30000"/>
+              </a:spcBef>
+              <a:buFont typeface="Arial" panose="020B0604020202020204" pitchFamily="34" charset="0"/>
+              <a:buChar char="•"/>
+              <a:defRPr lang="zh-CN" sz="1800" kern="1200">
+                <a:solidFill>
+                  <a:schemeClr val="tx1"/>
+                </a:solidFill>
+                <a:latin typeface="+mn-lt"/>
+                <a:ea typeface="+mn-ea"/>
+                <a:cs typeface="+mn-cs"/>
+              </a:defRPr>
+            </a:lvl9pPr>
+          </a:lstStyle>
+          <a:p>
+            <a:r>
+              <a:rPr lang="en-US" altLang="zh-CN" dirty="0" smtClean="0"/>
+              <a:t>2</a:t>
+            </a:r>
+            <a:r>
+              <a:rPr lang="zh-CN" altLang="en-US" dirty="0" smtClean="0"/>
+              <a:t>、通过</a:t>
+            </a:r>
+            <a:r>
+              <a:rPr lang="en-US" altLang="zh-CN" dirty="0" smtClean="0"/>
+              <a:t>EDA</a:t>
+            </a:r>
+            <a:r>
+              <a:rPr lang="zh-CN" altLang="en-US" dirty="0" smtClean="0"/>
+              <a:t>实现回调，通过该手段进行扩展；</a:t>
+            </a:r>
+            <a:endParaRPr lang="zh-CN" altLang="en-US" dirty="0"/>
+          </a:p>
+        </p:txBody>
+      </p:sp>
+      <p:sp>
+        <p:nvSpPr>
+          <p:cNvPr id="38" name="内容占位符 3"/>
+          <p:cNvSpPr txBox="1">
+            <a:spLocks/>
+          </p:cNvSpPr>
+          <p:nvPr/>
+        </p:nvSpPr>
+        <p:spPr>
+          <a:xfrm>
+            <a:off x="352097" y="2989777"/>
+            <a:ext cx="2336511" cy="2308324"/>
+          </a:xfrm>
+          <a:prstGeom prst="rect">
+            <a:avLst/>
+          </a:prstGeom>
+          <a:noFill/>
+        </p:spPr>
+        <p:txBody>
+          <a:bodyPr vert="horz" wrap="square" lIns="91440" tIns="45720" rIns="91440" bIns="45720" rtlCol="0">
+            <a:spAutoFit/>
+          </a:bodyPr>
+          <a:lstStyle>
+            <a:lvl1pPr marL="0" indent="0" algn="l" defTabSz="914400" rtl="0" eaLnBrk="1" latinLnBrk="0" hangingPunct="1">
+              <a:lnSpc>
+                <a:spcPct val="150000"/>
+              </a:lnSpc>
+              <a:spcBef>
+                <a:spcPct val="30000"/>
+              </a:spcBef>
+              <a:spcAft>
+                <a:spcPts val="1200"/>
+              </a:spcAft>
+              <a:buFont typeface="Arial" panose="020B0604020202020204" pitchFamily="34" charset="0"/>
+              <a:buNone/>
+              <a:defRPr lang="zh-CN" sz="1600" kern="1200">
+                <a:solidFill>
+                  <a:schemeClr val="bg1">
+                    <a:lumMod val="50000"/>
+                  </a:schemeClr>
+                </a:solidFill>
+                <a:latin typeface="Microsoft YaHei UI" panose="020B0503020204020204" pitchFamily="34" charset="-122"/>
+                <a:ea typeface="Microsoft YaHei UI" panose="020B0503020204020204" pitchFamily="34" charset="-122"/>
+                <a:cs typeface="+mn-cs"/>
+              </a:defRPr>
+            </a:lvl1pPr>
+            <a:lvl2pPr marL="685800" indent="-228600" algn="l" defTabSz="914400" rtl="0" eaLnBrk="1" latinLnBrk="0" hangingPunct="1">
+              <a:lnSpc>
+                <a:spcPct val="150000"/>
+              </a:lnSpc>
+              <a:spcBef>
+                <a:spcPct val="30000"/>
+              </a:spcBef>
+              <a:spcAft>
+                <a:spcPts val="1200"/>
+              </a:spcAft>
+              <a:buFont typeface="Arial" panose="020B0604020202020204" pitchFamily="34" charset="0"/>
+              <a:buChar char="•"/>
+              <a:defRPr lang="zh-CN" sz="1400" kern="1200">
+                <a:solidFill>
+                  <a:schemeClr val="bg1">
+                    <a:lumMod val="50000"/>
+                  </a:schemeClr>
+                </a:solidFill>
+                <a:latin typeface="Microsoft YaHei UI" panose="020B0503020204020204" pitchFamily="34" charset="-122"/>
+                <a:ea typeface="Microsoft YaHei UI" panose="020B0503020204020204" pitchFamily="34" charset="-122"/>
+                <a:cs typeface="+mn-cs"/>
+              </a:defRPr>
+            </a:lvl2pPr>
+            <a:lvl3pPr marL="1143000" indent="-228600" algn="l" defTabSz="914400" rtl="0" eaLnBrk="1" latinLnBrk="0" hangingPunct="1">
+              <a:lnSpc>
+                <a:spcPct val="150000"/>
+              </a:lnSpc>
+              <a:spcBef>
+                <a:spcPct val="30000"/>
+              </a:spcBef>
+              <a:spcAft>
+                <a:spcPts val="1200"/>
+              </a:spcAft>
+              <a:buFont typeface="Arial" panose="020B0604020202020204" pitchFamily="34" charset="0"/>
+              <a:buChar char="•"/>
+              <a:defRPr lang="zh-CN" sz="1200" kern="1200">
+                <a:solidFill>
+                  <a:schemeClr val="bg1">
+                    <a:lumMod val="50000"/>
+                  </a:schemeClr>
+                </a:solidFill>
+                <a:latin typeface="Microsoft YaHei UI" panose="020B0503020204020204" pitchFamily="34" charset="-122"/>
+                <a:ea typeface="Microsoft YaHei UI" panose="020B0503020204020204" pitchFamily="34" charset="-122"/>
+                <a:cs typeface="+mn-cs"/>
+              </a:defRPr>
+            </a:lvl3pPr>
+            <a:lvl4pPr marL="1600200" indent="-228600" algn="l" defTabSz="914400" rtl="0" eaLnBrk="1" latinLnBrk="0" hangingPunct="1">
+              <a:lnSpc>
+                <a:spcPct val="150000"/>
+              </a:lnSpc>
+              <a:spcBef>
+                <a:spcPct val="30000"/>
+              </a:spcBef>
+              <a:spcAft>
+                <a:spcPts val="1200"/>
+              </a:spcAft>
+              <a:buFont typeface="Arial" panose="020B0604020202020204" pitchFamily="34" charset="0"/>
+              <a:buChar char="•"/>
+              <a:defRPr lang="zh-CN" sz="1100" kern="1200">
+                <a:solidFill>
+                  <a:schemeClr val="bg1">
+                    <a:lumMod val="50000"/>
+                  </a:schemeClr>
+                </a:solidFill>
+                <a:latin typeface="Microsoft YaHei UI" panose="020B0503020204020204" pitchFamily="34" charset="-122"/>
+                <a:ea typeface="Microsoft YaHei UI" panose="020B0503020204020204" pitchFamily="34" charset="-122"/>
+                <a:cs typeface="+mn-cs"/>
+              </a:defRPr>
+            </a:lvl4pPr>
+            <a:lvl5pPr marL="2057400" indent="-228600" algn="l" defTabSz="914400" rtl="0" eaLnBrk="1" latinLnBrk="0" hangingPunct="1">
+              <a:lnSpc>
+                <a:spcPct val="150000"/>
+              </a:lnSpc>
+              <a:spcBef>
+                <a:spcPct val="30000"/>
+              </a:spcBef>
+              <a:spcAft>
+                <a:spcPts val="1200"/>
+              </a:spcAft>
+              <a:buFont typeface="Arial" panose="020B0604020202020204" pitchFamily="34" charset="0"/>
+              <a:buChar char="•"/>
+              <a:defRPr lang="zh-CN" sz="1100" kern="1200">
+                <a:solidFill>
+                  <a:schemeClr val="bg1">
+                    <a:lumMod val="50000"/>
+                  </a:schemeClr>
+                </a:solidFill>
+                <a:latin typeface="Microsoft YaHei UI" panose="020B0503020204020204" pitchFamily="34" charset="-122"/>
+                <a:ea typeface="Microsoft YaHei UI" panose="020B0503020204020204" pitchFamily="34" charset="-122"/>
+                <a:cs typeface="+mn-cs"/>
+              </a:defRPr>
+            </a:lvl5pPr>
+            <a:lvl6pPr marL="2514600" indent="-228600" algn="l" defTabSz="914400" rtl="0" eaLnBrk="1" latinLnBrk="0" hangingPunct="1">
+              <a:lnSpc>
+                <a:spcPct val="90000"/>
+              </a:lnSpc>
+              <a:spcBef>
+                <a:spcPct val="30000"/>
+              </a:spcBef>
+              <a:buFont typeface="Arial" panose="020B0604020202020204" pitchFamily="34" charset="0"/>
+              <a:buChar char="•"/>
+              <a:defRPr lang="zh-CN" sz="1800" kern="1200">
+                <a:solidFill>
+                  <a:schemeClr val="tx1"/>
+                </a:solidFill>
+                <a:latin typeface="+mn-lt"/>
+                <a:ea typeface="+mn-ea"/>
+                <a:cs typeface="+mn-cs"/>
+              </a:defRPr>
+            </a:lvl6pPr>
+            <a:lvl7pPr marL="2971800" indent="-228600" algn="l" defTabSz="914400" rtl="0" eaLnBrk="1" latinLnBrk="0" hangingPunct="1">
+              <a:lnSpc>
+                <a:spcPct val="90000"/>
+              </a:lnSpc>
+              <a:spcBef>
+                <a:spcPct val="30000"/>
+              </a:spcBef>
+              <a:buFont typeface="Arial" panose="020B0604020202020204" pitchFamily="34" charset="0"/>
+              <a:buChar char="•"/>
+              <a:defRPr lang="zh-CN" sz="1800" kern="1200">
+                <a:solidFill>
+                  <a:schemeClr val="tx1"/>
+                </a:solidFill>
+                <a:latin typeface="+mn-lt"/>
+                <a:ea typeface="+mn-ea"/>
+                <a:cs typeface="+mn-cs"/>
+              </a:defRPr>
+            </a:lvl7pPr>
+            <a:lvl8pPr marL="3429000" indent="-228600" algn="l" defTabSz="914400" rtl="0" eaLnBrk="1" latinLnBrk="0" hangingPunct="1">
+              <a:lnSpc>
+                <a:spcPct val="90000"/>
+              </a:lnSpc>
+              <a:spcBef>
+                <a:spcPct val="30000"/>
+              </a:spcBef>
+              <a:buFont typeface="Arial" panose="020B0604020202020204" pitchFamily="34" charset="0"/>
+              <a:buChar char="•"/>
+              <a:defRPr lang="zh-CN" sz="1800" kern="1200">
+                <a:solidFill>
+                  <a:schemeClr val="tx1"/>
+                </a:solidFill>
+                <a:latin typeface="+mn-lt"/>
+                <a:ea typeface="+mn-ea"/>
+                <a:cs typeface="+mn-cs"/>
+              </a:defRPr>
+            </a:lvl8pPr>
+            <a:lvl9pPr marL="3886200" indent="-228600" algn="l" defTabSz="914400" rtl="0" eaLnBrk="1" latinLnBrk="0" hangingPunct="1">
+              <a:lnSpc>
+                <a:spcPct val="90000"/>
+              </a:lnSpc>
+              <a:spcBef>
+                <a:spcPct val="30000"/>
+              </a:spcBef>
+              <a:buFont typeface="Arial" panose="020B0604020202020204" pitchFamily="34" charset="0"/>
+              <a:buChar char="•"/>
+              <a:defRPr lang="zh-CN" sz="1800" kern="1200">
+                <a:solidFill>
+                  <a:schemeClr val="tx1"/>
+                </a:solidFill>
+                <a:latin typeface="+mn-lt"/>
+                <a:ea typeface="+mn-ea"/>
+                <a:cs typeface="+mn-cs"/>
+              </a:defRPr>
+            </a:lvl9pPr>
+          </a:lstStyle>
+          <a:p>
+            <a:r>
+              <a:rPr lang="en-US" altLang="zh-CN" dirty="0"/>
+              <a:t>3</a:t>
+            </a:r>
+            <a:r>
+              <a:rPr lang="zh-CN" altLang="en-US" dirty="0" smtClean="0"/>
+              <a:t>、除了复杂的写操作，关乎性能并结合应用数据的批量数据获取可以谨慎采用表关联（</a:t>
+            </a:r>
+            <a:r>
+              <a:rPr lang="zh-CN" altLang="en-US" b="1" dirty="0" smtClean="0"/>
+              <a:t>应用库和核心库在一个物理库中</a:t>
+            </a:r>
+            <a:r>
+              <a:rPr lang="zh-CN" altLang="en-US" dirty="0" smtClean="0"/>
+              <a:t>）；</a:t>
+            </a:r>
+            <a:endParaRPr lang="zh-CN" altLang="en-US" dirty="0"/>
+          </a:p>
+        </p:txBody>
+      </p:sp>
+      <p:sp>
+        <p:nvSpPr>
+          <p:cNvPr id="40" name="流程图: 磁盘 39"/>
+          <p:cNvSpPr/>
+          <p:nvPr/>
+        </p:nvSpPr>
+        <p:spPr>
+          <a:xfrm>
+            <a:off x="4982369" y="6063890"/>
+            <a:ext cx="914400" cy="612648"/>
+          </a:xfrm>
+          <a:prstGeom prst="flowChartMagneticDisk">
+            <a:avLst/>
+          </a:prstGeom>
+          <a:noFill/>
+        </p:spPr>
+        <p:style>
+          <a:lnRef idx="2">
+            <a:schemeClr val="accent1">
+              <a:shade val="50000"/>
+            </a:schemeClr>
+          </a:lnRef>
+          <a:fillRef idx="1">
+            <a:schemeClr val="accent1"/>
+          </a:fillRef>
+          <a:effectRef idx="0">
+            <a:schemeClr val="accent1"/>
+          </a:effectRef>
+          <a:fontRef idx="minor">
+            <a:schemeClr val="lt1"/>
+          </a:fontRef>
+        </p:style>
+        <p:txBody>
+          <a:bodyPr rtlCol="0" anchor="ctr"/>
+          <a:lstStyle/>
+          <a:p>
+            <a:pPr algn="ctr"/>
+            <a:r>
+              <a:rPr lang="zh-CN" altLang="en-US" sz="1400" dirty="0">
+                <a:solidFill>
+                  <a:schemeClr val="bg1">
+                    <a:lumMod val="50000"/>
+                  </a:schemeClr>
+                </a:solidFill>
+              </a:rPr>
+              <a:t>核心</a:t>
+            </a:r>
+            <a:r>
+              <a:rPr lang="zh-CN" altLang="en-US" sz="1400" dirty="0" smtClean="0">
+                <a:solidFill>
+                  <a:schemeClr val="bg1">
+                    <a:lumMod val="50000"/>
+                  </a:schemeClr>
+                </a:solidFill>
+              </a:rPr>
+              <a:t>库</a:t>
+            </a:r>
+            <a:endParaRPr lang="zh-CN" altLang="en-US" dirty="0">
+              <a:solidFill>
+                <a:schemeClr val="bg1">
+                  <a:lumMod val="50000"/>
+                </a:schemeClr>
+              </a:solidFill>
+            </a:endParaRPr>
+          </a:p>
+        </p:txBody>
+      </p:sp>
+      <p:cxnSp>
+        <p:nvCxnSpPr>
+          <p:cNvPr id="41" name="直接连接符 40"/>
+          <p:cNvCxnSpPr>
+            <a:stCxn id="6" idx="2"/>
+          </p:cNvCxnSpPr>
+          <p:nvPr/>
+        </p:nvCxnSpPr>
+        <p:spPr>
+          <a:xfrm flipH="1">
+            <a:off x="5439568" y="5595163"/>
+            <a:ext cx="2" cy="437130"/>
+          </a:xfrm>
+          <a:prstGeom prst="line">
+            <a:avLst/>
+          </a:prstGeom>
+        </p:spPr>
+        <p:style>
+          <a:lnRef idx="1">
+            <a:schemeClr val="accent1"/>
+          </a:lnRef>
+          <a:fillRef idx="0">
+            <a:schemeClr val="accent1"/>
+          </a:fillRef>
+          <a:effectRef idx="0">
+            <a:schemeClr val="accent1"/>
+          </a:effectRef>
+          <a:fontRef idx="minor">
+            <a:schemeClr val="tx1"/>
+          </a:fontRef>
+        </p:style>
+      </p:cxnSp>
+      <p:sp>
+        <p:nvSpPr>
+          <p:cNvPr id="43" name="弧形 42"/>
+          <p:cNvSpPr/>
+          <p:nvPr/>
+        </p:nvSpPr>
+        <p:spPr>
+          <a:xfrm flipH="1">
+            <a:off x="3037090" y="2802897"/>
+            <a:ext cx="2942027" cy="3626385"/>
+          </a:xfrm>
+          <a:prstGeom prst="arc">
+            <a:avLst>
+              <a:gd name="adj1" fmla="val 16199310"/>
+              <a:gd name="adj2" fmla="val 5411120"/>
+            </a:avLst>
+          </a:prstGeom>
+        </p:spPr>
+        <p:style>
+          <a:lnRef idx="1">
+            <a:schemeClr val="accent1"/>
+          </a:lnRef>
+          <a:fillRef idx="0">
+            <a:schemeClr val="accent1"/>
+          </a:fillRef>
+          <a:effectRef idx="0">
+            <a:schemeClr val="accent1"/>
+          </a:effectRef>
+          <a:fontRef idx="minor">
+            <a:schemeClr val="tx1"/>
+          </a:fontRef>
+        </p:style>
+        <p:txBody>
+          <a:bodyPr rtlCol="0" anchor="ctr"/>
+          <a:lstStyle/>
+          <a:p>
+            <a:pPr algn="ctr"/>
+            <a:endParaRPr lang="zh-CN" altLang="en-US"/>
+          </a:p>
+        </p:txBody>
+      </p:sp>
+      <p:cxnSp>
+        <p:nvCxnSpPr>
+          <p:cNvPr id="45" name="直接连接符 44"/>
+          <p:cNvCxnSpPr/>
+          <p:nvPr/>
+        </p:nvCxnSpPr>
+        <p:spPr>
+          <a:xfrm>
+            <a:off x="4306711" y="6250675"/>
+            <a:ext cx="201392" cy="178607"/>
+          </a:xfrm>
+          <a:prstGeom prst="line">
+            <a:avLst/>
+          </a:prstGeom>
+        </p:spPr>
+        <p:style>
+          <a:lnRef idx="1">
+            <a:schemeClr val="accent1"/>
+          </a:lnRef>
+          <a:fillRef idx="0">
+            <a:schemeClr val="accent1"/>
+          </a:fillRef>
+          <a:effectRef idx="0">
+            <a:schemeClr val="accent1"/>
+          </a:effectRef>
+          <a:fontRef idx="minor">
+            <a:schemeClr val="tx1"/>
+          </a:fontRef>
+        </p:style>
+      </p:cxnSp>
+      <p:cxnSp>
+        <p:nvCxnSpPr>
+          <p:cNvPr id="47" name="直接连接符 46"/>
+          <p:cNvCxnSpPr/>
+          <p:nvPr/>
+        </p:nvCxnSpPr>
+        <p:spPr>
+          <a:xfrm flipV="1">
+            <a:off x="4306711" y="6429284"/>
+            <a:ext cx="201392" cy="200116"/>
+          </a:xfrm>
+          <a:prstGeom prst="line">
+            <a:avLst/>
+          </a:prstGeom>
+        </p:spPr>
+        <p:style>
+          <a:lnRef idx="1">
+            <a:schemeClr val="accent1"/>
+          </a:lnRef>
+          <a:fillRef idx="0">
+            <a:schemeClr val="accent1"/>
+          </a:fillRef>
+          <a:effectRef idx="0">
+            <a:schemeClr val="accent1"/>
+          </a:effectRef>
+          <a:fontRef idx="minor">
+            <a:schemeClr val="tx1"/>
+          </a:fontRef>
+        </p:style>
+      </p:cxnSp>
+    </p:spTree>
+    <p:extLst>
+      <p:ext uri="{BB962C8B-B14F-4D97-AF65-F5344CB8AC3E}">
+        <p14:creationId xmlns:p14="http://schemas.microsoft.com/office/powerpoint/2010/main" val="2141255657"/>
       </p:ext>
     </p:extLst>
   </p:cSld>

--- a/doc/技术交流/技术交流-2017-8-28.pptx
+++ b/doc/技术交流/技术交流-2017-8-28.pptx
@@ -5721,7 +5721,15 @@
             </a:r>
             <a:r>
               <a:rPr lang="zh-CN" altLang="en-US" dirty="0" smtClean="0"/>
-              <a:t>界定边界；</a:t>
+              <a:t>界定边界（以优秀的</a:t>
+            </a:r>
+            <a:r>
+              <a:rPr lang="en-US" altLang="zh-CN" dirty="0" smtClean="0"/>
+              <a:t>API</a:t>
+            </a:r>
+            <a:r>
+              <a:rPr lang="zh-CN" altLang="en-US" dirty="0" smtClean="0"/>
+              <a:t>表达内涵而不是文档）；</a:t>
             </a:r>
             <a:endParaRPr lang="en-US" altLang="zh-CN" dirty="0" smtClean="0"/>
           </a:p>
@@ -6418,7 +6426,7 @@
         </p:spPr>
         <p:txBody>
           <a:bodyPr>
-            <a:normAutofit fontScale="85000" lnSpcReduction="20000"/>
+            <a:normAutofit fontScale="92500" lnSpcReduction="10000"/>
           </a:bodyPr>
           <a:lstStyle/>
           <a:p>
@@ -6432,13 +6440,6 @@
             <a:r>
               <a:rPr lang="en-US" altLang="zh-CN" dirty="0" err="1" smtClean="0"/>
               <a:t>OrderExecuteDomainService</a:t>
-            </a:r>
-            <a:endParaRPr lang="en-US" altLang="zh-CN" dirty="0" smtClean="0"/>
-          </a:p>
-          <a:p>
-            <a:r>
-              <a:rPr lang="en-US" altLang="zh-CN" dirty="0" err="1"/>
-              <a:t>OrderExecuteAppService</a:t>
             </a:r>
             <a:endParaRPr lang="en-US" altLang="zh-CN" dirty="0" smtClean="0"/>
           </a:p>

--- a/doc/技术交流/技术交流-2017-8-28.pptx
+++ b/doc/技术交流/技术交流-2017-8-28.pptx
@@ -5,7 +5,7 @@
     <p:sldMasterId id="2147483660" r:id="rId2"/>
   </p:sldMasterIdLst>
   <p:notesMasterIdLst>
-    <p:notesMasterId r:id="rId9"/>
+    <p:notesMasterId r:id="rId10"/>
   </p:notesMasterIdLst>
   <p:sldIdLst>
     <p:sldId id="256" r:id="rId3"/>
@@ -14,6 +14,7 @@
     <p:sldId id="259" r:id="rId6"/>
     <p:sldId id="260" r:id="rId7"/>
     <p:sldId id="261" r:id="rId8"/>
+    <p:sldId id="262" r:id="rId9"/>
   </p:sldIdLst>
   <p:sldSz cx="12192000" cy="6858000"/>
   <p:notesSz cx="6858000" cy="9144000"/>
@@ -127,6 +128,7 @@
             <p14:sldId id="259"/>
             <p14:sldId id="260"/>
             <p14:sldId id="261"/>
+            <p14:sldId id="262"/>
           </p14:sldIdLst>
         </p14:section>
         <p14:section name="了解更多" id="{2CC34DB2-6590-42C0-AD4B-A04C6060184E}">
@@ -239,7 +241,7 @@
           </a:lstStyle>
           <a:p>
             <a:fld id="{EC13577B-6902-467D-A26C-08A0DD5E4E03}" type="datetimeFigureOut">
-              <a:t>2017/8/29</a:t>
+              <a:t>2017/8/30</a:t>
             </a:fld>
             <a:endParaRPr lang="zh-CN"/>
           </a:p>
@@ -789,7 +791,7 @@
           <a:lstStyle/>
           <a:p>
             <a:fld id="{8BEEBAAA-29B5-4AF5-BC5F-7E580C29002D}" type="datetimeFigureOut">
-              <a:t>2017/8/29</a:t>
+              <a:t>2017/8/30</a:t>
             </a:fld>
             <a:endParaRPr lang="zh-CN"/>
           </a:p>
@@ -1064,7 +1066,7 @@
           <a:lstStyle/>
           <a:p>
             <a:fld id="{8BEEBAAA-29B5-4AF5-BC5F-7E580C29002D}" type="datetimeFigureOut">
-              <a:t>2017/8/29</a:t>
+              <a:t>2017/8/30</a:t>
             </a:fld>
             <a:endParaRPr lang="zh-CN"/>
           </a:p>
@@ -1344,7 +1346,7 @@
           <a:lstStyle/>
           <a:p>
             <a:fld id="{8BEEBAAA-29B5-4AF5-BC5F-7E580C29002D}" type="datetimeFigureOut">
-              <a:t>2017/8/29</a:t>
+              <a:t>2017/8/30</a:t>
             </a:fld>
             <a:endParaRPr lang="zh-CN"/>
           </a:p>
@@ -1703,7 +1705,7 @@
           <a:lstStyle/>
           <a:p>
             <a:fld id="{8BEEBAAA-29B5-4AF5-BC5F-7E580C29002D}" type="datetimeFigureOut">
-              <a:t>2017/8/29</a:t>
+              <a:t>2017/8/30</a:t>
             </a:fld>
             <a:endParaRPr lang="zh-CN"/>
           </a:p>
@@ -1955,7 +1957,7 @@
           <a:lstStyle/>
           <a:p>
             <a:fld id="{8BEEBAAA-29B5-4AF5-BC5F-7E580C29002D}" type="datetimeFigureOut">
-              <a:t>2017/8/29</a:t>
+              <a:t>2017/8/30</a:t>
             </a:fld>
             <a:endParaRPr lang="zh-CN"/>
           </a:p>
@@ -2429,7 +2431,7 @@
           <a:lstStyle/>
           <a:p>
             <a:fld id="{8BEEBAAA-29B5-4AF5-BC5F-7E580C29002D}" type="datetimeFigureOut">
-              <a:t>2017/8/29</a:t>
+              <a:t>2017/8/30</a:t>
             </a:fld>
             <a:endParaRPr lang="zh-CN"/>
           </a:p>
@@ -3079,7 +3081,7 @@
           <a:lstStyle/>
           <a:p>
             <a:fld id="{8BEEBAAA-29B5-4AF5-BC5F-7E580C29002D}" type="datetimeFigureOut">
-              <a:t>2017/8/29</a:t>
+              <a:t>2017/8/30</a:t>
             </a:fld>
             <a:endParaRPr lang="zh-CN"/>
           </a:p>
@@ -3309,7 +3311,7 @@
           <a:lstStyle/>
           <a:p>
             <a:fld id="{8BEEBAAA-29B5-4AF5-BC5F-7E580C29002D}" type="datetimeFigureOut">
-              <a:t>2017/8/29</a:t>
+              <a:t>2017/8/30</a:t>
             </a:fld>
             <a:endParaRPr lang="zh-CN"/>
           </a:p>
@@ -3448,7 +3450,7 @@
           <a:lstStyle/>
           <a:p>
             <a:fld id="{8BEEBAAA-29B5-4AF5-BC5F-7E580C29002D}" type="datetimeFigureOut">
-              <a:t>2017/8/29</a:t>
+              <a:t>2017/8/30</a:t>
             </a:fld>
             <a:endParaRPr lang="zh-CN"/>
           </a:p>
@@ -3783,7 +3785,7 @@
           <a:lstStyle/>
           <a:p>
             <a:fld id="{8BEEBAAA-29B5-4AF5-BC5F-7E580C29002D}" type="datetimeFigureOut">
-              <a:t>2017/8/29</a:t>
+              <a:t>2017/8/30</a:t>
             </a:fld>
             <a:endParaRPr lang="zh-CN"/>
           </a:p>
@@ -4038,7 +4040,7 @@
           <a:lstStyle/>
           <a:p>
             <a:fld id="{8BEEBAAA-29B5-4AF5-BC5F-7E580C29002D}" type="datetimeFigureOut">
-              <a:t>2017/8/29</a:t>
+              <a:t>2017/8/30</a:t>
             </a:fld>
             <a:endParaRPr lang="zh-CN"/>
           </a:p>
@@ -4251,7 +4253,7 @@
             <a:fld id="{8BEEBAAA-29B5-4AF5-BC5F-7E580C29002D}" type="datetimeFigureOut">
               <a:rPr lang="en-US" altLang="zh-CN" smtClean="0"/>
               <a:pPr/>
-              <a:t>8/29/2017</a:t>
+              <a:t>8/30/2017</a:t>
             </a:fld>
             <a:endParaRPr lang="zh-CN" altLang="en-US"/>
           </a:p>
@@ -7750,6 +7752,303 @@
     <p:extLst>
       <p:ext uri="{BB962C8B-B14F-4D97-AF65-F5344CB8AC3E}">
         <p14:creationId xmlns:p14="http://schemas.microsoft.com/office/powerpoint/2010/main" val="2141255657"/>
+      </p:ext>
+    </p:extLst>
+  </p:cSld>
+  <p:clrMapOvr>
+    <a:masterClrMapping/>
+  </p:clrMapOvr>
+</p:sld>
+</file>
+
+<file path=ppt/slides/slide7.xml><?xml version="1.0" encoding="utf-8"?>
+<p:sld xmlns:a="http://schemas.openxmlformats.org/drawingml/2006/main" xmlns:r="http://schemas.openxmlformats.org/officeDocument/2006/relationships" xmlns:p="http://schemas.openxmlformats.org/presentationml/2006/main">
+  <p:cSld>
+    <p:spTree>
+      <p:nvGrpSpPr>
+        <p:cNvPr id="1" name=""/>
+        <p:cNvGrpSpPr/>
+        <p:nvPr/>
+      </p:nvGrpSpPr>
+      <p:grpSpPr>
+        <a:xfrm>
+          <a:off x="0" y="0"/>
+          <a:ext cx="0" cy="0"/>
+          <a:chOff x="0" y="0"/>
+          <a:chExt cx="0" cy="0"/>
+        </a:xfrm>
+      </p:grpSpPr>
+      <p:sp>
+        <p:nvSpPr>
+          <p:cNvPr id="2" name="标题 1"/>
+          <p:cNvSpPr>
+            <a:spLocks noGrp="1"/>
+          </p:cNvSpPr>
+          <p:nvPr>
+            <p:ph type="title"/>
+          </p:nvPr>
+        </p:nvSpPr>
+        <p:spPr/>
+        <p:txBody>
+          <a:bodyPr/>
+          <a:lstStyle/>
+          <a:p>
+            <a:r>
+              <a:rPr lang="zh-CN" altLang="en-US" dirty="0" smtClean="0"/>
+              <a:t>核心部分的代码特点一</a:t>
+            </a:r>
+            <a:endParaRPr lang="zh-CN" altLang="en-US" dirty="0"/>
+          </a:p>
+        </p:txBody>
+      </p:sp>
+      <p:pic>
+        <p:nvPicPr>
+          <p:cNvPr id="6" name="图片 5"/>
+          <p:cNvPicPr>
+            <a:picLocks noChangeAspect="1"/>
+          </p:cNvPicPr>
+          <p:nvPr/>
+        </p:nvPicPr>
+        <p:blipFill>
+          <a:blip r:embed="rId2"/>
+          <a:stretch>
+            <a:fillRect/>
+          </a:stretch>
+        </p:blipFill>
+        <p:spPr>
+          <a:xfrm>
+            <a:off x="604434" y="1781712"/>
+            <a:ext cx="6556220" cy="4773536"/>
+          </a:xfrm>
+          <a:prstGeom prst="rect">
+            <a:avLst/>
+          </a:prstGeom>
+        </p:spPr>
+      </p:pic>
+      <p:sp>
+        <p:nvSpPr>
+          <p:cNvPr id="8" name="内容占位符 3"/>
+          <p:cNvSpPr txBox="1">
+            <a:spLocks/>
+          </p:cNvSpPr>
+          <p:nvPr/>
+        </p:nvSpPr>
+        <p:spPr>
+          <a:xfrm>
+            <a:off x="8105179" y="2165529"/>
+            <a:ext cx="2532770" cy="2308324"/>
+          </a:xfrm>
+          <a:prstGeom prst="rect">
+            <a:avLst/>
+          </a:prstGeom>
+          <a:noFill/>
+        </p:spPr>
+        <p:txBody>
+          <a:bodyPr vert="horz" wrap="square" lIns="91440" tIns="45720" rIns="91440" bIns="45720" rtlCol="0">
+            <a:spAutoFit/>
+          </a:bodyPr>
+          <a:lstStyle>
+            <a:lvl1pPr marL="0" indent="0" algn="l" defTabSz="914400" rtl="0" eaLnBrk="1" latinLnBrk="0" hangingPunct="1">
+              <a:lnSpc>
+                <a:spcPct val="150000"/>
+              </a:lnSpc>
+              <a:spcBef>
+                <a:spcPct val="30000"/>
+              </a:spcBef>
+              <a:spcAft>
+                <a:spcPts val="1200"/>
+              </a:spcAft>
+              <a:buFont typeface="Arial" panose="020B0604020202020204" pitchFamily="34" charset="0"/>
+              <a:buNone/>
+              <a:defRPr lang="zh-CN" sz="1600" kern="1200">
+                <a:solidFill>
+                  <a:schemeClr val="bg1">
+                    <a:lumMod val="50000"/>
+                  </a:schemeClr>
+                </a:solidFill>
+                <a:latin typeface="Microsoft YaHei UI" panose="020B0503020204020204" pitchFamily="34" charset="-122"/>
+                <a:ea typeface="Microsoft YaHei UI" panose="020B0503020204020204" pitchFamily="34" charset="-122"/>
+                <a:cs typeface="+mn-cs"/>
+              </a:defRPr>
+            </a:lvl1pPr>
+            <a:lvl2pPr marL="685800" indent="-228600" algn="l" defTabSz="914400" rtl="0" eaLnBrk="1" latinLnBrk="0" hangingPunct="1">
+              <a:lnSpc>
+                <a:spcPct val="150000"/>
+              </a:lnSpc>
+              <a:spcBef>
+                <a:spcPct val="30000"/>
+              </a:spcBef>
+              <a:spcAft>
+                <a:spcPts val="1200"/>
+              </a:spcAft>
+              <a:buFont typeface="Arial" panose="020B0604020202020204" pitchFamily="34" charset="0"/>
+              <a:buChar char="•"/>
+              <a:defRPr lang="zh-CN" sz="1400" kern="1200">
+                <a:solidFill>
+                  <a:schemeClr val="bg1">
+                    <a:lumMod val="50000"/>
+                  </a:schemeClr>
+                </a:solidFill>
+                <a:latin typeface="Microsoft YaHei UI" panose="020B0503020204020204" pitchFamily="34" charset="-122"/>
+                <a:ea typeface="Microsoft YaHei UI" panose="020B0503020204020204" pitchFamily="34" charset="-122"/>
+                <a:cs typeface="+mn-cs"/>
+              </a:defRPr>
+            </a:lvl2pPr>
+            <a:lvl3pPr marL="1143000" indent="-228600" algn="l" defTabSz="914400" rtl="0" eaLnBrk="1" latinLnBrk="0" hangingPunct="1">
+              <a:lnSpc>
+                <a:spcPct val="150000"/>
+              </a:lnSpc>
+              <a:spcBef>
+                <a:spcPct val="30000"/>
+              </a:spcBef>
+              <a:spcAft>
+                <a:spcPts val="1200"/>
+              </a:spcAft>
+              <a:buFont typeface="Arial" panose="020B0604020202020204" pitchFamily="34" charset="0"/>
+              <a:buChar char="•"/>
+              <a:defRPr lang="zh-CN" sz="1200" kern="1200">
+                <a:solidFill>
+                  <a:schemeClr val="bg1">
+                    <a:lumMod val="50000"/>
+                  </a:schemeClr>
+                </a:solidFill>
+                <a:latin typeface="Microsoft YaHei UI" panose="020B0503020204020204" pitchFamily="34" charset="-122"/>
+                <a:ea typeface="Microsoft YaHei UI" panose="020B0503020204020204" pitchFamily="34" charset="-122"/>
+                <a:cs typeface="+mn-cs"/>
+              </a:defRPr>
+            </a:lvl3pPr>
+            <a:lvl4pPr marL="1600200" indent="-228600" algn="l" defTabSz="914400" rtl="0" eaLnBrk="1" latinLnBrk="0" hangingPunct="1">
+              <a:lnSpc>
+                <a:spcPct val="150000"/>
+              </a:lnSpc>
+              <a:spcBef>
+                <a:spcPct val="30000"/>
+              </a:spcBef>
+              <a:spcAft>
+                <a:spcPts val="1200"/>
+              </a:spcAft>
+              <a:buFont typeface="Arial" panose="020B0604020202020204" pitchFamily="34" charset="0"/>
+              <a:buChar char="•"/>
+              <a:defRPr lang="zh-CN" sz="1100" kern="1200">
+                <a:solidFill>
+                  <a:schemeClr val="bg1">
+                    <a:lumMod val="50000"/>
+                  </a:schemeClr>
+                </a:solidFill>
+                <a:latin typeface="Microsoft YaHei UI" panose="020B0503020204020204" pitchFamily="34" charset="-122"/>
+                <a:ea typeface="Microsoft YaHei UI" panose="020B0503020204020204" pitchFamily="34" charset="-122"/>
+                <a:cs typeface="+mn-cs"/>
+              </a:defRPr>
+            </a:lvl4pPr>
+            <a:lvl5pPr marL="2057400" indent="-228600" algn="l" defTabSz="914400" rtl="0" eaLnBrk="1" latinLnBrk="0" hangingPunct="1">
+              <a:lnSpc>
+                <a:spcPct val="150000"/>
+              </a:lnSpc>
+              <a:spcBef>
+                <a:spcPct val="30000"/>
+              </a:spcBef>
+              <a:spcAft>
+                <a:spcPts val="1200"/>
+              </a:spcAft>
+              <a:buFont typeface="Arial" panose="020B0604020202020204" pitchFamily="34" charset="0"/>
+              <a:buChar char="•"/>
+              <a:defRPr lang="zh-CN" sz="1100" kern="1200">
+                <a:solidFill>
+                  <a:schemeClr val="bg1">
+                    <a:lumMod val="50000"/>
+                  </a:schemeClr>
+                </a:solidFill>
+                <a:latin typeface="Microsoft YaHei UI" panose="020B0503020204020204" pitchFamily="34" charset="-122"/>
+                <a:ea typeface="Microsoft YaHei UI" panose="020B0503020204020204" pitchFamily="34" charset="-122"/>
+                <a:cs typeface="+mn-cs"/>
+              </a:defRPr>
+            </a:lvl5pPr>
+            <a:lvl6pPr marL="2514600" indent="-228600" algn="l" defTabSz="914400" rtl="0" eaLnBrk="1" latinLnBrk="0" hangingPunct="1">
+              <a:lnSpc>
+                <a:spcPct val="90000"/>
+              </a:lnSpc>
+              <a:spcBef>
+                <a:spcPct val="30000"/>
+              </a:spcBef>
+              <a:buFont typeface="Arial" panose="020B0604020202020204" pitchFamily="34" charset="0"/>
+              <a:buChar char="•"/>
+              <a:defRPr lang="zh-CN" sz="1800" kern="1200">
+                <a:solidFill>
+                  <a:schemeClr val="tx1"/>
+                </a:solidFill>
+                <a:latin typeface="+mn-lt"/>
+                <a:ea typeface="+mn-ea"/>
+                <a:cs typeface="+mn-cs"/>
+              </a:defRPr>
+            </a:lvl6pPr>
+            <a:lvl7pPr marL="2971800" indent="-228600" algn="l" defTabSz="914400" rtl="0" eaLnBrk="1" latinLnBrk="0" hangingPunct="1">
+              <a:lnSpc>
+                <a:spcPct val="90000"/>
+              </a:lnSpc>
+              <a:spcBef>
+                <a:spcPct val="30000"/>
+              </a:spcBef>
+              <a:buFont typeface="Arial" panose="020B0604020202020204" pitchFamily="34" charset="0"/>
+              <a:buChar char="•"/>
+              <a:defRPr lang="zh-CN" sz="1800" kern="1200">
+                <a:solidFill>
+                  <a:schemeClr val="tx1"/>
+                </a:solidFill>
+                <a:latin typeface="+mn-lt"/>
+                <a:ea typeface="+mn-ea"/>
+                <a:cs typeface="+mn-cs"/>
+              </a:defRPr>
+            </a:lvl7pPr>
+            <a:lvl8pPr marL="3429000" indent="-228600" algn="l" defTabSz="914400" rtl="0" eaLnBrk="1" latinLnBrk="0" hangingPunct="1">
+              <a:lnSpc>
+                <a:spcPct val="90000"/>
+              </a:lnSpc>
+              <a:spcBef>
+                <a:spcPct val="30000"/>
+              </a:spcBef>
+              <a:buFont typeface="Arial" panose="020B0604020202020204" pitchFamily="34" charset="0"/>
+              <a:buChar char="•"/>
+              <a:defRPr lang="zh-CN" sz="1800" kern="1200">
+                <a:solidFill>
+                  <a:schemeClr val="tx1"/>
+                </a:solidFill>
+                <a:latin typeface="+mn-lt"/>
+                <a:ea typeface="+mn-ea"/>
+                <a:cs typeface="+mn-cs"/>
+              </a:defRPr>
+            </a:lvl8pPr>
+            <a:lvl9pPr marL="3886200" indent="-228600" algn="l" defTabSz="914400" rtl="0" eaLnBrk="1" latinLnBrk="0" hangingPunct="1">
+              <a:lnSpc>
+                <a:spcPct val="90000"/>
+              </a:lnSpc>
+              <a:spcBef>
+                <a:spcPct val="30000"/>
+              </a:spcBef>
+              <a:buFont typeface="Arial" panose="020B0604020202020204" pitchFamily="34" charset="0"/>
+              <a:buChar char="•"/>
+              <a:defRPr lang="zh-CN" sz="1800" kern="1200">
+                <a:solidFill>
+                  <a:schemeClr val="tx1"/>
+                </a:solidFill>
+                <a:latin typeface="+mn-lt"/>
+                <a:ea typeface="+mn-ea"/>
+                <a:cs typeface="+mn-cs"/>
+              </a:defRPr>
+            </a:lvl9pPr>
+          </a:lstStyle>
+          <a:p>
+            <a:r>
+              <a:rPr lang="zh-CN" altLang="en-US" dirty="0" smtClean="0"/>
+              <a:t>核心部分的写操作会在应用部分没有设置值时设置默认值，这样既保证在应用默认值时减少应用部分的代码量，也可以应对应用部分的差异。</a:t>
+            </a:r>
+            <a:endParaRPr lang="zh-CN" altLang="en-US" dirty="0"/>
+          </a:p>
+        </p:txBody>
+      </p:sp>
+    </p:spTree>
+    <p:extLst>
+      <p:ext uri="{BB962C8B-B14F-4D97-AF65-F5344CB8AC3E}">
+        <p14:creationId xmlns:p14="http://schemas.microsoft.com/office/powerpoint/2010/main" val="3228339742"/>
       </p:ext>
     </p:extLst>
   </p:cSld>

--- a/doc/技术交流/技术交流-2017-8-28.pptx
+++ b/doc/技术交流/技术交流-2017-8-28.pptx
@@ -5,7 +5,7 @@
     <p:sldMasterId id="2147483660" r:id="rId2"/>
   </p:sldMasterIdLst>
   <p:notesMasterIdLst>
-    <p:notesMasterId r:id="rId10"/>
+    <p:notesMasterId r:id="rId14"/>
   </p:notesMasterIdLst>
   <p:sldIdLst>
     <p:sldId id="256" r:id="rId3"/>
@@ -15,6 +15,10 @@
     <p:sldId id="260" r:id="rId7"/>
     <p:sldId id="261" r:id="rId8"/>
     <p:sldId id="262" r:id="rId9"/>
+    <p:sldId id="263" r:id="rId10"/>
+    <p:sldId id="264" r:id="rId11"/>
+    <p:sldId id="265" r:id="rId12"/>
+    <p:sldId id="266" r:id="rId13"/>
   </p:sldIdLst>
   <p:sldSz cx="12192000" cy="6858000"/>
   <p:notesSz cx="6858000" cy="9144000"/>
@@ -129,6 +133,10 @@
             <p14:sldId id="260"/>
             <p14:sldId id="261"/>
             <p14:sldId id="262"/>
+            <p14:sldId id="263"/>
+            <p14:sldId id="264"/>
+            <p14:sldId id="265"/>
+            <p14:sldId id="266"/>
           </p14:sldIdLst>
         </p14:section>
         <p14:section name="了解更多" id="{2CC34DB2-6590-42C0-AD4B-A04C6060184E}">
@@ -241,7 +249,7 @@
           </a:lstStyle>
           <a:p>
             <a:fld id="{EC13577B-6902-467D-A26C-08A0DD5E4E03}" type="datetimeFigureOut">
-              <a:t>2017/8/30</a:t>
+              <a:t>2017/9/1</a:t>
             </a:fld>
             <a:endParaRPr lang="zh-CN"/>
           </a:p>
@@ -791,7 +799,7 @@
           <a:lstStyle/>
           <a:p>
             <a:fld id="{8BEEBAAA-29B5-4AF5-BC5F-7E580C29002D}" type="datetimeFigureOut">
-              <a:t>2017/8/30</a:t>
+              <a:t>2017/9/1</a:t>
             </a:fld>
             <a:endParaRPr lang="zh-CN"/>
           </a:p>
@@ -1066,7 +1074,7 @@
           <a:lstStyle/>
           <a:p>
             <a:fld id="{8BEEBAAA-29B5-4AF5-BC5F-7E580C29002D}" type="datetimeFigureOut">
-              <a:t>2017/8/30</a:t>
+              <a:t>2017/9/1</a:t>
             </a:fld>
             <a:endParaRPr lang="zh-CN"/>
           </a:p>
@@ -1346,7 +1354,7 @@
           <a:lstStyle/>
           <a:p>
             <a:fld id="{8BEEBAAA-29B5-4AF5-BC5F-7E580C29002D}" type="datetimeFigureOut">
-              <a:t>2017/8/30</a:t>
+              <a:t>2017/9/1</a:t>
             </a:fld>
             <a:endParaRPr lang="zh-CN"/>
           </a:p>
@@ -1705,7 +1713,7 @@
           <a:lstStyle/>
           <a:p>
             <a:fld id="{8BEEBAAA-29B5-4AF5-BC5F-7E580C29002D}" type="datetimeFigureOut">
-              <a:t>2017/8/30</a:t>
+              <a:t>2017/9/1</a:t>
             </a:fld>
             <a:endParaRPr lang="zh-CN"/>
           </a:p>
@@ -1957,7 +1965,7 @@
           <a:lstStyle/>
           <a:p>
             <a:fld id="{8BEEBAAA-29B5-4AF5-BC5F-7E580C29002D}" type="datetimeFigureOut">
-              <a:t>2017/8/30</a:t>
+              <a:t>2017/9/1</a:t>
             </a:fld>
             <a:endParaRPr lang="zh-CN"/>
           </a:p>
@@ -2431,7 +2439,7 @@
           <a:lstStyle/>
           <a:p>
             <a:fld id="{8BEEBAAA-29B5-4AF5-BC5F-7E580C29002D}" type="datetimeFigureOut">
-              <a:t>2017/8/30</a:t>
+              <a:t>2017/9/1</a:t>
             </a:fld>
             <a:endParaRPr lang="zh-CN"/>
           </a:p>
@@ -3081,7 +3089,7 @@
           <a:lstStyle/>
           <a:p>
             <a:fld id="{8BEEBAAA-29B5-4AF5-BC5F-7E580C29002D}" type="datetimeFigureOut">
-              <a:t>2017/8/30</a:t>
+              <a:t>2017/9/1</a:t>
             </a:fld>
             <a:endParaRPr lang="zh-CN"/>
           </a:p>
@@ -3311,7 +3319,7 @@
           <a:lstStyle/>
           <a:p>
             <a:fld id="{8BEEBAAA-29B5-4AF5-BC5F-7E580C29002D}" type="datetimeFigureOut">
-              <a:t>2017/8/30</a:t>
+              <a:t>2017/9/1</a:t>
             </a:fld>
             <a:endParaRPr lang="zh-CN"/>
           </a:p>
@@ -3450,7 +3458,7 @@
           <a:lstStyle/>
           <a:p>
             <a:fld id="{8BEEBAAA-29B5-4AF5-BC5F-7E580C29002D}" type="datetimeFigureOut">
-              <a:t>2017/8/30</a:t>
+              <a:t>2017/9/1</a:t>
             </a:fld>
             <a:endParaRPr lang="zh-CN"/>
           </a:p>
@@ -3785,7 +3793,7 @@
           <a:lstStyle/>
           <a:p>
             <a:fld id="{8BEEBAAA-29B5-4AF5-BC5F-7E580C29002D}" type="datetimeFigureOut">
-              <a:t>2017/8/30</a:t>
+              <a:t>2017/9/1</a:t>
             </a:fld>
             <a:endParaRPr lang="zh-CN"/>
           </a:p>
@@ -4040,7 +4048,7 @@
           <a:lstStyle/>
           <a:p>
             <a:fld id="{8BEEBAAA-29B5-4AF5-BC5F-7E580C29002D}" type="datetimeFigureOut">
-              <a:t>2017/8/30</a:t>
+              <a:t>2017/9/1</a:t>
             </a:fld>
             <a:endParaRPr lang="zh-CN"/>
           </a:p>
@@ -4253,7 +4261,7 @@
             <a:fld id="{8BEEBAAA-29B5-4AF5-BC5F-7E580C29002D}" type="datetimeFigureOut">
               <a:rPr lang="en-US" altLang="zh-CN" smtClean="0"/>
               <a:pPr/>
-              <a:t>8/30/2017</a:t>
+              <a:t>9/1/2017</a:t>
             </a:fld>
             <a:endParaRPr lang="zh-CN" altLang="en-US"/>
           </a:p>
@@ -4755,6 +4763,216 @@
 </p:sld>
 </file>
 
+<file path=ppt/slides/slide10.xml><?xml version="1.0" encoding="utf-8"?>
+<p:sld xmlns:a="http://schemas.openxmlformats.org/drawingml/2006/main" xmlns:r="http://schemas.openxmlformats.org/officeDocument/2006/relationships" xmlns:p="http://schemas.openxmlformats.org/presentationml/2006/main">
+  <p:cSld>
+    <p:spTree>
+      <p:nvGrpSpPr>
+        <p:cNvPr id="1" name=""/>
+        <p:cNvGrpSpPr/>
+        <p:nvPr/>
+      </p:nvGrpSpPr>
+      <p:grpSpPr>
+        <a:xfrm>
+          <a:off x="0" y="0"/>
+          <a:ext cx="0" cy="0"/>
+          <a:chOff x="0" y="0"/>
+          <a:chExt cx="0" cy="0"/>
+        </a:xfrm>
+      </p:grpSpPr>
+      <p:sp>
+        <p:nvSpPr>
+          <p:cNvPr id="2" name="标题 1"/>
+          <p:cNvSpPr>
+            <a:spLocks noGrp="1"/>
+          </p:cNvSpPr>
+          <p:nvPr>
+            <p:ph type="title"/>
+          </p:nvPr>
+        </p:nvSpPr>
+        <p:spPr/>
+        <p:txBody>
+          <a:bodyPr/>
+          <a:lstStyle/>
+          <a:p>
+            <a:r>
+              <a:rPr lang="zh-CN" altLang="en-US" dirty="0" smtClean="0"/>
+              <a:t>面向对象</a:t>
+            </a:r>
+            <a:endParaRPr lang="zh-CN" altLang="en-US" dirty="0"/>
+          </a:p>
+        </p:txBody>
+      </p:sp>
+      <p:sp>
+        <p:nvSpPr>
+          <p:cNvPr id="3" name="内容占位符 2"/>
+          <p:cNvSpPr>
+            <a:spLocks noGrp="1"/>
+          </p:cNvSpPr>
+          <p:nvPr>
+            <p:ph idx="1"/>
+          </p:nvPr>
+        </p:nvSpPr>
+        <p:spPr>
+          <a:xfrm>
+            <a:off x="838201" y="1825625"/>
+            <a:ext cx="8361555" cy="4351338"/>
+          </a:xfrm>
+        </p:spPr>
+        <p:txBody>
+          <a:bodyPr/>
+          <a:lstStyle/>
+          <a:p>
+            <a:r>
+              <a:rPr lang="zh-CN" altLang="en-US" dirty="0" smtClean="0"/>
+              <a:t>更好的继承并表现对业务领域知识的理解；</a:t>
+            </a:r>
+            <a:endParaRPr lang="en-US" altLang="zh-CN" dirty="0" smtClean="0"/>
+          </a:p>
+          <a:p>
+            <a:r>
+              <a:rPr lang="zh-CN" altLang="en-US" dirty="0" smtClean="0"/>
+              <a:t>粒度比组件细，比函数粗，控制共性和个性业务逻辑的手段好；</a:t>
+            </a:r>
+            <a:endParaRPr lang="en-US" altLang="zh-CN" dirty="0" smtClean="0"/>
+          </a:p>
+          <a:p>
+            <a:r>
+              <a:rPr lang="zh-CN" altLang="en-US" dirty="0" smtClean="0"/>
+              <a:t>能够形成积累</a:t>
+            </a:r>
+            <a:endParaRPr lang="en-US" altLang="zh-CN" dirty="0" smtClean="0"/>
+          </a:p>
+          <a:p>
+            <a:endParaRPr lang="zh-CN" altLang="en-US" dirty="0"/>
+          </a:p>
+        </p:txBody>
+      </p:sp>
+    </p:spTree>
+    <p:extLst>
+      <p:ext uri="{BB962C8B-B14F-4D97-AF65-F5344CB8AC3E}">
+        <p14:creationId xmlns:p14="http://schemas.microsoft.com/office/powerpoint/2010/main" val="1142050713"/>
+      </p:ext>
+    </p:extLst>
+  </p:cSld>
+  <p:clrMapOvr>
+    <a:masterClrMapping/>
+  </p:clrMapOvr>
+</p:sld>
+</file>
+
+<file path=ppt/slides/slide11.xml><?xml version="1.0" encoding="utf-8"?>
+<p:sld xmlns:a="http://schemas.openxmlformats.org/drawingml/2006/main" xmlns:r="http://schemas.openxmlformats.org/officeDocument/2006/relationships" xmlns:p="http://schemas.openxmlformats.org/presentationml/2006/main">
+  <p:cSld>
+    <p:spTree>
+      <p:nvGrpSpPr>
+        <p:cNvPr id="1" name=""/>
+        <p:cNvGrpSpPr/>
+        <p:nvPr/>
+      </p:nvGrpSpPr>
+      <p:grpSpPr>
+        <a:xfrm>
+          <a:off x="0" y="0"/>
+          <a:ext cx="0" cy="0"/>
+          <a:chOff x="0" y="0"/>
+          <a:chExt cx="0" cy="0"/>
+        </a:xfrm>
+      </p:grpSpPr>
+      <p:sp>
+        <p:nvSpPr>
+          <p:cNvPr id="2" name="标题 1"/>
+          <p:cNvSpPr>
+            <a:spLocks noGrp="1"/>
+          </p:cNvSpPr>
+          <p:nvPr>
+            <p:ph type="title"/>
+          </p:nvPr>
+        </p:nvSpPr>
+        <p:spPr/>
+        <p:txBody>
+          <a:bodyPr/>
+          <a:lstStyle/>
+          <a:p>
+            <a:r>
+              <a:rPr lang="en-US" altLang="zh-CN" dirty="0" smtClean="0"/>
+              <a:t>Hibernate</a:t>
+            </a:r>
+            <a:endParaRPr lang="zh-CN" altLang="en-US" dirty="0"/>
+          </a:p>
+        </p:txBody>
+      </p:sp>
+      <p:sp>
+        <p:nvSpPr>
+          <p:cNvPr id="3" name="内容占位符 2"/>
+          <p:cNvSpPr>
+            <a:spLocks noGrp="1"/>
+          </p:cNvSpPr>
+          <p:nvPr>
+            <p:ph idx="1"/>
+          </p:nvPr>
+        </p:nvSpPr>
+        <p:spPr>
+          <a:xfrm>
+            <a:off x="838201" y="1825625"/>
+            <a:ext cx="8762999" cy="4351338"/>
+          </a:xfrm>
+        </p:spPr>
+        <p:txBody>
+          <a:bodyPr/>
+          <a:lstStyle/>
+          <a:p>
+            <a:r>
+              <a:rPr lang="zh-CN" altLang="en-US" dirty="0"/>
+              <a:t>自动</a:t>
+            </a:r>
+            <a:r>
+              <a:rPr lang="zh-CN" altLang="en-US" dirty="0" smtClean="0"/>
+              <a:t>挡和手动挡（转移注意力）</a:t>
+            </a:r>
+            <a:endParaRPr lang="en-US" altLang="zh-CN" dirty="0" smtClean="0"/>
+          </a:p>
+          <a:p>
+            <a:r>
+              <a:rPr lang="en-US" altLang="zh-CN" dirty="0" smtClean="0"/>
+              <a:t>Hibernate</a:t>
+            </a:r>
+            <a:r>
+              <a:rPr lang="zh-CN" altLang="en-US" dirty="0" smtClean="0"/>
+              <a:t>在性能方面提供的特性（</a:t>
+            </a:r>
+            <a:r>
+              <a:rPr lang="en-US" altLang="zh-CN" dirty="0" err="1" smtClean="0"/>
+              <a:t>FetchType.</a:t>
+            </a:r>
+            <a:r>
+              <a:rPr lang="en-US" altLang="zh-CN" i="1" dirty="0" err="1" smtClean="0"/>
+              <a:t>LAZY</a:t>
+            </a:r>
+            <a:r>
+              <a:rPr lang="zh-CN" altLang="en-US" i="1" dirty="0" smtClean="0"/>
+              <a:t>、二级缓存、延迟提交</a:t>
+            </a:r>
+            <a:r>
+              <a:rPr lang="zh-CN" altLang="en-US" dirty="0" smtClean="0"/>
+              <a:t>）</a:t>
+            </a:r>
+            <a:endParaRPr lang="en-US" altLang="zh-CN" dirty="0"/>
+          </a:p>
+        </p:txBody>
+      </p:sp>
+    </p:spTree>
+    <p:extLst>
+      <p:ext uri="{BB962C8B-B14F-4D97-AF65-F5344CB8AC3E}">
+        <p14:creationId xmlns:p14="http://schemas.microsoft.com/office/powerpoint/2010/main" val="3574930528"/>
+      </p:ext>
+    </p:extLst>
+  </p:cSld>
+  <p:clrMapOvr>
+    <a:masterClrMapping/>
+  </p:clrMapOvr>
+</p:sld>
+</file>
+
 <file path=ppt/slides/slide2.xml><?xml version="1.0" encoding="utf-8"?>
 <p:sld xmlns:a="http://schemas.openxmlformats.org/drawingml/2006/main" xmlns:r="http://schemas.openxmlformats.org/officeDocument/2006/relationships" xmlns:p="http://schemas.openxmlformats.org/presentationml/2006/main">
   <p:cSld>
@@ -8049,6 +8267,1153 @@
     <p:extLst>
       <p:ext uri="{BB962C8B-B14F-4D97-AF65-F5344CB8AC3E}">
         <p14:creationId xmlns:p14="http://schemas.microsoft.com/office/powerpoint/2010/main" val="3228339742"/>
+      </p:ext>
+    </p:extLst>
+  </p:cSld>
+  <p:clrMapOvr>
+    <a:masterClrMapping/>
+  </p:clrMapOvr>
+</p:sld>
+</file>
+
+<file path=ppt/slides/slide8.xml><?xml version="1.0" encoding="utf-8"?>
+<p:sld xmlns:a="http://schemas.openxmlformats.org/drawingml/2006/main" xmlns:r="http://schemas.openxmlformats.org/officeDocument/2006/relationships" xmlns:p="http://schemas.openxmlformats.org/presentationml/2006/main">
+  <p:cSld>
+    <p:spTree>
+      <p:nvGrpSpPr>
+        <p:cNvPr id="1" name=""/>
+        <p:cNvGrpSpPr/>
+        <p:nvPr/>
+      </p:nvGrpSpPr>
+      <p:grpSpPr>
+        <a:xfrm>
+          <a:off x="0" y="0"/>
+          <a:ext cx="0" cy="0"/>
+          <a:chOff x="0" y="0"/>
+          <a:chExt cx="0" cy="0"/>
+        </a:xfrm>
+      </p:grpSpPr>
+      <p:sp>
+        <p:nvSpPr>
+          <p:cNvPr id="2" name="标题 1"/>
+          <p:cNvSpPr>
+            <a:spLocks noGrp="1"/>
+          </p:cNvSpPr>
+          <p:nvPr>
+            <p:ph type="title"/>
+          </p:nvPr>
+        </p:nvSpPr>
+        <p:spPr/>
+        <p:txBody>
+          <a:bodyPr/>
+          <a:lstStyle/>
+          <a:p>
+            <a:r>
+              <a:rPr lang="zh-CN" altLang="en-US" dirty="0" smtClean="0"/>
+              <a:t>部署结构</a:t>
+            </a:r>
+            <a:endParaRPr lang="zh-CN" altLang="en-US" dirty="0"/>
+          </a:p>
+        </p:txBody>
+      </p:sp>
+      <p:sp>
+        <p:nvSpPr>
+          <p:cNvPr id="5" name="流程图: 磁盘 4"/>
+          <p:cNvSpPr/>
+          <p:nvPr/>
+        </p:nvSpPr>
+        <p:spPr>
+          <a:xfrm>
+            <a:off x="4626835" y="5460641"/>
+            <a:ext cx="2704563" cy="1022046"/>
+          </a:xfrm>
+          <a:prstGeom prst="flowChartMagneticDisk">
+            <a:avLst/>
+          </a:prstGeom>
+          <a:noFill/>
+        </p:spPr>
+        <p:style>
+          <a:lnRef idx="2">
+            <a:schemeClr val="accent1">
+              <a:shade val="50000"/>
+            </a:schemeClr>
+          </a:lnRef>
+          <a:fillRef idx="1">
+            <a:schemeClr val="accent1"/>
+          </a:fillRef>
+          <a:effectRef idx="0">
+            <a:schemeClr val="accent1"/>
+          </a:effectRef>
+          <a:fontRef idx="minor">
+            <a:schemeClr val="lt1"/>
+          </a:fontRef>
+        </p:style>
+        <p:txBody>
+          <a:bodyPr rtlCol="0" anchor="ctr"/>
+          <a:lstStyle/>
+          <a:p>
+            <a:pPr algn="ctr"/>
+            <a:r>
+              <a:rPr lang="en-US" altLang="zh-CN" dirty="0" smtClean="0">
+                <a:solidFill>
+                  <a:schemeClr val="tx1"/>
+                </a:solidFill>
+              </a:rPr>
+              <a:t>DB</a:t>
+            </a:r>
+            <a:endParaRPr lang="zh-CN" altLang="en-US" dirty="0">
+              <a:solidFill>
+                <a:schemeClr val="tx1"/>
+              </a:solidFill>
+            </a:endParaRPr>
+          </a:p>
+        </p:txBody>
+      </p:sp>
+      <p:sp>
+        <p:nvSpPr>
+          <p:cNvPr id="6" name="流程图: 过程 5"/>
+          <p:cNvSpPr/>
+          <p:nvPr/>
+        </p:nvSpPr>
+        <p:spPr>
+          <a:xfrm>
+            <a:off x="2335586" y="2197289"/>
+            <a:ext cx="1719617" cy="1009935"/>
+          </a:xfrm>
+          <a:prstGeom prst="flowChartProcess">
+            <a:avLst/>
+          </a:prstGeom>
+          <a:noFill/>
+        </p:spPr>
+        <p:style>
+          <a:lnRef idx="2">
+            <a:schemeClr val="accent1">
+              <a:shade val="50000"/>
+            </a:schemeClr>
+          </a:lnRef>
+          <a:fillRef idx="1">
+            <a:schemeClr val="accent1"/>
+          </a:fillRef>
+          <a:effectRef idx="0">
+            <a:schemeClr val="accent1"/>
+          </a:effectRef>
+          <a:fontRef idx="minor">
+            <a:schemeClr val="lt1"/>
+          </a:fontRef>
+        </p:style>
+        <p:txBody>
+          <a:bodyPr rtlCol="0" anchor="ctr"/>
+          <a:lstStyle/>
+          <a:p>
+            <a:pPr algn="ctr"/>
+            <a:endParaRPr lang="zh-CN" altLang="en-US"/>
+          </a:p>
+        </p:txBody>
+      </p:sp>
+      <p:sp>
+        <p:nvSpPr>
+          <p:cNvPr id="7" name="流程图: 过程 6"/>
+          <p:cNvSpPr/>
+          <p:nvPr/>
+        </p:nvSpPr>
+        <p:spPr>
+          <a:xfrm>
+            <a:off x="2487986" y="2349689"/>
+            <a:ext cx="1719617" cy="1009935"/>
+          </a:xfrm>
+          <a:prstGeom prst="flowChartProcess">
+            <a:avLst/>
+          </a:prstGeom>
+          <a:noFill/>
+        </p:spPr>
+        <p:style>
+          <a:lnRef idx="2">
+            <a:schemeClr val="accent1">
+              <a:shade val="50000"/>
+            </a:schemeClr>
+          </a:lnRef>
+          <a:fillRef idx="1">
+            <a:schemeClr val="accent1"/>
+          </a:fillRef>
+          <a:effectRef idx="0">
+            <a:schemeClr val="accent1"/>
+          </a:effectRef>
+          <a:fontRef idx="minor">
+            <a:schemeClr val="lt1"/>
+          </a:fontRef>
+        </p:style>
+        <p:txBody>
+          <a:bodyPr rtlCol="0" anchor="ctr"/>
+          <a:lstStyle/>
+          <a:p>
+            <a:pPr algn="ctr"/>
+            <a:endParaRPr lang="zh-CN" altLang="en-US"/>
+          </a:p>
+        </p:txBody>
+      </p:sp>
+      <p:sp>
+        <p:nvSpPr>
+          <p:cNvPr id="8" name="流程图: 过程 7"/>
+          <p:cNvSpPr/>
+          <p:nvPr/>
+        </p:nvSpPr>
+        <p:spPr>
+          <a:xfrm>
+            <a:off x="2640386" y="2502089"/>
+            <a:ext cx="1719617" cy="1009935"/>
+          </a:xfrm>
+          <a:prstGeom prst="flowChartProcess">
+            <a:avLst/>
+          </a:prstGeom>
+          <a:noFill/>
+        </p:spPr>
+        <p:style>
+          <a:lnRef idx="2">
+            <a:schemeClr val="accent1">
+              <a:shade val="50000"/>
+            </a:schemeClr>
+          </a:lnRef>
+          <a:fillRef idx="1">
+            <a:schemeClr val="accent1"/>
+          </a:fillRef>
+          <a:effectRef idx="0">
+            <a:schemeClr val="accent1"/>
+          </a:effectRef>
+          <a:fontRef idx="minor">
+            <a:schemeClr val="lt1"/>
+          </a:fontRef>
+        </p:style>
+        <p:txBody>
+          <a:bodyPr rtlCol="0" anchor="ctr"/>
+          <a:lstStyle/>
+          <a:p>
+            <a:pPr algn="ctr"/>
+            <a:r>
+              <a:rPr lang="zh-CN" altLang="en-US" dirty="0" smtClean="0">
+                <a:solidFill>
+                  <a:schemeClr val="tx1"/>
+                </a:solidFill>
+              </a:rPr>
+              <a:t>门诊应用</a:t>
+            </a:r>
+            <a:endParaRPr lang="zh-CN" altLang="en-US" dirty="0">
+              <a:solidFill>
+                <a:schemeClr val="tx1"/>
+              </a:solidFill>
+            </a:endParaRPr>
+          </a:p>
+        </p:txBody>
+      </p:sp>
+      <p:sp>
+        <p:nvSpPr>
+          <p:cNvPr id="9" name="流程图: 过程 8"/>
+          <p:cNvSpPr/>
+          <p:nvPr/>
+        </p:nvSpPr>
+        <p:spPr>
+          <a:xfrm>
+            <a:off x="4626835" y="2349689"/>
+            <a:ext cx="1719617" cy="1009935"/>
+          </a:xfrm>
+          <a:prstGeom prst="flowChartProcess">
+            <a:avLst/>
+          </a:prstGeom>
+          <a:noFill/>
+        </p:spPr>
+        <p:style>
+          <a:lnRef idx="2">
+            <a:schemeClr val="accent1">
+              <a:shade val="50000"/>
+            </a:schemeClr>
+          </a:lnRef>
+          <a:fillRef idx="1">
+            <a:schemeClr val="accent1"/>
+          </a:fillRef>
+          <a:effectRef idx="0">
+            <a:schemeClr val="accent1"/>
+          </a:effectRef>
+          <a:fontRef idx="minor">
+            <a:schemeClr val="lt1"/>
+          </a:fontRef>
+        </p:style>
+        <p:txBody>
+          <a:bodyPr rtlCol="0" anchor="ctr"/>
+          <a:lstStyle/>
+          <a:p>
+            <a:pPr algn="ctr"/>
+            <a:r>
+              <a:rPr lang="zh-CN" altLang="en-US" dirty="0" smtClean="0">
+                <a:solidFill>
+                  <a:schemeClr val="tx1"/>
+                </a:solidFill>
+              </a:rPr>
+              <a:t>档案室应用</a:t>
+            </a:r>
+            <a:endParaRPr lang="zh-CN" altLang="en-US" dirty="0">
+              <a:solidFill>
+                <a:schemeClr val="tx1"/>
+              </a:solidFill>
+            </a:endParaRPr>
+          </a:p>
+        </p:txBody>
+      </p:sp>
+      <p:sp>
+        <p:nvSpPr>
+          <p:cNvPr id="10" name="流程图: 过程 9"/>
+          <p:cNvSpPr/>
+          <p:nvPr/>
+        </p:nvSpPr>
+        <p:spPr>
+          <a:xfrm>
+            <a:off x="387369" y="2349688"/>
+            <a:ext cx="1719617" cy="1009935"/>
+          </a:xfrm>
+          <a:prstGeom prst="flowChartProcess">
+            <a:avLst/>
+          </a:prstGeom>
+          <a:noFill/>
+        </p:spPr>
+        <p:style>
+          <a:lnRef idx="2">
+            <a:schemeClr val="accent1">
+              <a:shade val="50000"/>
+            </a:schemeClr>
+          </a:lnRef>
+          <a:fillRef idx="1">
+            <a:schemeClr val="accent1"/>
+          </a:fillRef>
+          <a:effectRef idx="0">
+            <a:schemeClr val="accent1"/>
+          </a:effectRef>
+          <a:fontRef idx="minor">
+            <a:schemeClr val="lt1"/>
+          </a:fontRef>
+        </p:style>
+        <p:txBody>
+          <a:bodyPr rtlCol="0" anchor="ctr"/>
+          <a:lstStyle/>
+          <a:p>
+            <a:pPr algn="ctr"/>
+            <a:r>
+              <a:rPr lang="zh-CN" altLang="en-US" dirty="0" smtClean="0">
+                <a:solidFill>
+                  <a:schemeClr val="tx1"/>
+                </a:solidFill>
+              </a:rPr>
+              <a:t>挂号和收费应用</a:t>
+            </a:r>
+            <a:endParaRPr lang="zh-CN" altLang="en-US" dirty="0">
+              <a:solidFill>
+                <a:schemeClr val="tx1"/>
+              </a:solidFill>
+            </a:endParaRPr>
+          </a:p>
+        </p:txBody>
+      </p:sp>
+      <p:sp>
+        <p:nvSpPr>
+          <p:cNvPr id="12" name="流程图: 可选过程 11"/>
+          <p:cNvSpPr/>
+          <p:nvPr/>
+        </p:nvSpPr>
+        <p:spPr>
+          <a:xfrm>
+            <a:off x="7765575" y="3971499"/>
+            <a:ext cx="1760561" cy="887104"/>
+          </a:xfrm>
+          <a:prstGeom prst="flowChartAlternateProcess">
+            <a:avLst/>
+          </a:prstGeom>
+          <a:noFill/>
+        </p:spPr>
+        <p:style>
+          <a:lnRef idx="2">
+            <a:schemeClr val="accent1">
+              <a:shade val="50000"/>
+            </a:schemeClr>
+          </a:lnRef>
+          <a:fillRef idx="1">
+            <a:schemeClr val="accent1"/>
+          </a:fillRef>
+          <a:effectRef idx="0">
+            <a:schemeClr val="accent1"/>
+          </a:effectRef>
+          <a:fontRef idx="minor">
+            <a:schemeClr val="lt1"/>
+          </a:fontRef>
+        </p:style>
+        <p:txBody>
+          <a:bodyPr rtlCol="0" anchor="ctr"/>
+          <a:lstStyle/>
+          <a:p>
+            <a:pPr algn="ctr"/>
+            <a:endParaRPr lang="en-US" altLang="zh-CN" dirty="0" smtClean="0">
+              <a:solidFill>
+                <a:schemeClr val="tx1"/>
+              </a:solidFill>
+            </a:endParaRPr>
+          </a:p>
+          <a:p>
+            <a:pPr algn="ctr"/>
+            <a:r>
+              <a:rPr lang="zh-CN" altLang="en-US" dirty="0" smtClean="0">
+                <a:solidFill>
+                  <a:schemeClr val="tx1"/>
+                </a:solidFill>
+              </a:rPr>
+              <a:t>对外</a:t>
+            </a:r>
+            <a:r>
+              <a:rPr lang="zh-CN" altLang="en-US" dirty="0">
+                <a:solidFill>
+                  <a:schemeClr val="tx1"/>
+                </a:solidFill>
+              </a:rPr>
+              <a:t>引擎</a:t>
+            </a:r>
+          </a:p>
+          <a:p>
+            <a:pPr algn="ctr"/>
+            <a:endParaRPr lang="zh-CN" altLang="en-US" dirty="0"/>
+          </a:p>
+        </p:txBody>
+      </p:sp>
+      <p:sp>
+        <p:nvSpPr>
+          <p:cNvPr id="13" name="椭圆 12"/>
+          <p:cNvSpPr/>
+          <p:nvPr/>
+        </p:nvSpPr>
+        <p:spPr>
+          <a:xfrm>
+            <a:off x="9758149" y="1801657"/>
+            <a:ext cx="1760561" cy="971265"/>
+          </a:xfrm>
+          <a:prstGeom prst="ellipse">
+            <a:avLst/>
+          </a:prstGeom>
+          <a:noFill/>
+        </p:spPr>
+        <p:style>
+          <a:lnRef idx="2">
+            <a:schemeClr val="accent1">
+              <a:shade val="50000"/>
+            </a:schemeClr>
+          </a:lnRef>
+          <a:fillRef idx="1">
+            <a:schemeClr val="accent1"/>
+          </a:fillRef>
+          <a:effectRef idx="0">
+            <a:schemeClr val="accent1"/>
+          </a:effectRef>
+          <a:fontRef idx="minor">
+            <a:schemeClr val="lt1"/>
+          </a:fontRef>
+        </p:style>
+        <p:txBody>
+          <a:bodyPr rtlCol="0" anchor="ctr"/>
+          <a:lstStyle/>
+          <a:p>
+            <a:pPr algn="ctr"/>
+            <a:endParaRPr lang="zh-CN" altLang="en-US"/>
+          </a:p>
+        </p:txBody>
+      </p:sp>
+      <p:sp>
+        <p:nvSpPr>
+          <p:cNvPr id="14" name="椭圆 13"/>
+          <p:cNvSpPr/>
+          <p:nvPr/>
+        </p:nvSpPr>
+        <p:spPr>
+          <a:xfrm>
+            <a:off x="9910549" y="1954057"/>
+            <a:ext cx="1760561" cy="971265"/>
+          </a:xfrm>
+          <a:prstGeom prst="ellipse">
+            <a:avLst/>
+          </a:prstGeom>
+          <a:noFill/>
+        </p:spPr>
+        <p:style>
+          <a:lnRef idx="2">
+            <a:schemeClr val="accent1">
+              <a:shade val="50000"/>
+            </a:schemeClr>
+          </a:lnRef>
+          <a:fillRef idx="1">
+            <a:schemeClr val="accent1"/>
+          </a:fillRef>
+          <a:effectRef idx="0">
+            <a:schemeClr val="accent1"/>
+          </a:effectRef>
+          <a:fontRef idx="minor">
+            <a:schemeClr val="lt1"/>
+          </a:fontRef>
+        </p:style>
+        <p:txBody>
+          <a:bodyPr rtlCol="0" anchor="ctr"/>
+          <a:lstStyle/>
+          <a:p>
+            <a:pPr algn="ctr"/>
+            <a:r>
+              <a:rPr lang="zh-CN" altLang="en-US" dirty="0" smtClean="0">
+                <a:solidFill>
+                  <a:schemeClr val="tx1"/>
+                </a:solidFill>
+              </a:rPr>
+              <a:t>外部系统</a:t>
+            </a:r>
+            <a:endParaRPr lang="zh-CN" altLang="en-US" dirty="0">
+              <a:solidFill>
+                <a:schemeClr val="tx1"/>
+              </a:solidFill>
+            </a:endParaRPr>
+          </a:p>
+        </p:txBody>
+      </p:sp>
+      <p:cxnSp>
+        <p:nvCxnSpPr>
+          <p:cNvPr id="19" name="直接箭头连接符 18"/>
+          <p:cNvCxnSpPr>
+            <a:stCxn id="9" idx="2"/>
+            <a:endCxn id="5" idx="1"/>
+          </p:cNvCxnSpPr>
+          <p:nvPr/>
+        </p:nvCxnSpPr>
+        <p:spPr>
+          <a:xfrm>
+            <a:off x="5486644" y="3359624"/>
+            <a:ext cx="492473" cy="2101017"/>
+          </a:xfrm>
+          <a:prstGeom prst="straightConnector1">
+            <a:avLst/>
+          </a:prstGeom>
+          <a:ln>
+            <a:tailEnd type="triangle"/>
+          </a:ln>
+        </p:spPr>
+        <p:style>
+          <a:lnRef idx="1">
+            <a:schemeClr val="accent1"/>
+          </a:lnRef>
+          <a:fillRef idx="0">
+            <a:schemeClr val="accent1"/>
+          </a:fillRef>
+          <a:effectRef idx="0">
+            <a:schemeClr val="accent1"/>
+          </a:effectRef>
+          <a:fontRef idx="minor">
+            <a:schemeClr val="tx1"/>
+          </a:fontRef>
+        </p:style>
+      </p:cxnSp>
+      <p:cxnSp>
+        <p:nvCxnSpPr>
+          <p:cNvPr id="20" name="直接箭头连接符 19"/>
+          <p:cNvCxnSpPr/>
+          <p:nvPr/>
+        </p:nvCxnSpPr>
+        <p:spPr>
+          <a:xfrm>
+            <a:off x="3423100" y="3512024"/>
+            <a:ext cx="2133358" cy="1948617"/>
+          </a:xfrm>
+          <a:prstGeom prst="straightConnector1">
+            <a:avLst/>
+          </a:prstGeom>
+          <a:ln>
+            <a:tailEnd type="triangle"/>
+          </a:ln>
+        </p:spPr>
+        <p:style>
+          <a:lnRef idx="1">
+            <a:schemeClr val="accent1"/>
+          </a:lnRef>
+          <a:fillRef idx="0">
+            <a:schemeClr val="accent1"/>
+          </a:fillRef>
+          <a:effectRef idx="0">
+            <a:schemeClr val="accent1"/>
+          </a:effectRef>
+          <a:fontRef idx="minor">
+            <a:schemeClr val="tx1"/>
+          </a:fontRef>
+        </p:style>
+      </p:cxnSp>
+      <p:cxnSp>
+        <p:nvCxnSpPr>
+          <p:cNvPr id="22" name="直接箭头连接符 21"/>
+          <p:cNvCxnSpPr>
+            <a:stCxn id="10" idx="2"/>
+            <a:endCxn id="5" idx="2"/>
+          </p:cNvCxnSpPr>
+          <p:nvPr/>
+        </p:nvCxnSpPr>
+        <p:spPr>
+          <a:xfrm>
+            <a:off x="1247178" y="3359623"/>
+            <a:ext cx="3379657" cy="2612041"/>
+          </a:xfrm>
+          <a:prstGeom prst="straightConnector1">
+            <a:avLst/>
+          </a:prstGeom>
+          <a:ln>
+            <a:tailEnd type="triangle"/>
+          </a:ln>
+        </p:spPr>
+        <p:style>
+          <a:lnRef idx="1">
+            <a:schemeClr val="accent1"/>
+          </a:lnRef>
+          <a:fillRef idx="0">
+            <a:schemeClr val="accent1"/>
+          </a:fillRef>
+          <a:effectRef idx="0">
+            <a:schemeClr val="accent1"/>
+          </a:effectRef>
+          <a:fontRef idx="minor">
+            <a:schemeClr val="tx1"/>
+          </a:fontRef>
+        </p:style>
+      </p:cxnSp>
+      <p:cxnSp>
+        <p:nvCxnSpPr>
+          <p:cNvPr id="24" name="直接箭头连接符 23"/>
+          <p:cNvCxnSpPr>
+            <a:stCxn id="12" idx="2"/>
+          </p:cNvCxnSpPr>
+          <p:nvPr/>
+        </p:nvCxnSpPr>
+        <p:spPr>
+          <a:xfrm flipH="1">
+            <a:off x="7326288" y="4858603"/>
+            <a:ext cx="1319568" cy="1071194"/>
+          </a:xfrm>
+          <a:prstGeom prst="straightConnector1">
+            <a:avLst/>
+          </a:prstGeom>
+          <a:ln>
+            <a:tailEnd type="triangle"/>
+          </a:ln>
+        </p:spPr>
+        <p:style>
+          <a:lnRef idx="1">
+            <a:schemeClr val="accent1"/>
+          </a:lnRef>
+          <a:fillRef idx="0">
+            <a:schemeClr val="accent1"/>
+          </a:fillRef>
+          <a:effectRef idx="0">
+            <a:schemeClr val="accent1"/>
+          </a:effectRef>
+          <a:fontRef idx="minor">
+            <a:schemeClr val="tx1"/>
+          </a:fontRef>
+        </p:style>
+      </p:cxnSp>
+      <p:cxnSp>
+        <p:nvCxnSpPr>
+          <p:cNvPr id="26" name="直接箭头连接符 25"/>
+          <p:cNvCxnSpPr>
+            <a:endCxn id="12" idx="0"/>
+          </p:cNvCxnSpPr>
+          <p:nvPr/>
+        </p:nvCxnSpPr>
+        <p:spPr>
+          <a:xfrm flipH="1">
+            <a:off x="8645856" y="2811666"/>
+            <a:ext cx="1319567" cy="1159833"/>
+          </a:xfrm>
+          <a:prstGeom prst="straightConnector1">
+            <a:avLst/>
+          </a:prstGeom>
+          <a:ln>
+            <a:tailEnd type="triangle"/>
+          </a:ln>
+        </p:spPr>
+        <p:style>
+          <a:lnRef idx="1">
+            <a:schemeClr val="accent1"/>
+          </a:lnRef>
+          <a:fillRef idx="0">
+            <a:schemeClr val="accent1"/>
+          </a:fillRef>
+          <a:effectRef idx="0">
+            <a:schemeClr val="accent1"/>
+          </a:effectRef>
+          <a:fontRef idx="minor">
+            <a:schemeClr val="tx1"/>
+          </a:fontRef>
+        </p:style>
+      </p:cxnSp>
+      <p:sp>
+        <p:nvSpPr>
+          <p:cNvPr id="29" name="剪去单角的矩形 28"/>
+          <p:cNvSpPr/>
+          <p:nvPr/>
+        </p:nvSpPr>
+        <p:spPr>
+          <a:xfrm>
+            <a:off x="7185424" y="2389126"/>
+            <a:ext cx="914400" cy="914400"/>
+          </a:xfrm>
+          <a:prstGeom prst="snip1Rect">
+            <a:avLst/>
+          </a:prstGeom>
+          <a:noFill/>
+        </p:spPr>
+        <p:style>
+          <a:lnRef idx="2">
+            <a:schemeClr val="accent1">
+              <a:shade val="50000"/>
+            </a:schemeClr>
+          </a:lnRef>
+          <a:fillRef idx="1">
+            <a:schemeClr val="accent1"/>
+          </a:fillRef>
+          <a:effectRef idx="0">
+            <a:schemeClr val="accent1"/>
+          </a:effectRef>
+          <a:fontRef idx="minor">
+            <a:schemeClr val="lt1"/>
+          </a:fontRef>
+        </p:style>
+        <p:txBody>
+          <a:bodyPr rtlCol="0" anchor="ctr"/>
+          <a:lstStyle/>
+          <a:p>
+            <a:pPr algn="ctr"/>
+            <a:r>
+              <a:rPr lang="zh-CN" altLang="en-US" dirty="0" smtClean="0">
+                <a:solidFill>
+                  <a:schemeClr val="tx1"/>
+                </a:solidFill>
+              </a:rPr>
+              <a:t>简易</a:t>
+            </a:r>
+            <a:r>
+              <a:rPr lang="en-US" altLang="zh-CN" dirty="0" smtClean="0">
+                <a:solidFill>
+                  <a:schemeClr val="tx1"/>
+                </a:solidFill>
+              </a:rPr>
+              <a:t>WEB</a:t>
+            </a:r>
+            <a:endParaRPr lang="zh-CN" altLang="en-US" dirty="0">
+              <a:solidFill>
+                <a:schemeClr val="tx1"/>
+              </a:solidFill>
+            </a:endParaRPr>
+          </a:p>
+        </p:txBody>
+      </p:sp>
+      <p:cxnSp>
+        <p:nvCxnSpPr>
+          <p:cNvPr id="31" name="直接箭头连接符 30"/>
+          <p:cNvCxnSpPr>
+            <a:stCxn id="29" idx="1"/>
+          </p:cNvCxnSpPr>
+          <p:nvPr/>
+        </p:nvCxnSpPr>
+        <p:spPr>
+          <a:xfrm>
+            <a:off x="7642624" y="3303526"/>
+            <a:ext cx="873579" cy="667973"/>
+          </a:xfrm>
+          <a:prstGeom prst="straightConnector1">
+            <a:avLst/>
+          </a:prstGeom>
+          <a:ln>
+            <a:tailEnd type="triangle"/>
+          </a:ln>
+        </p:spPr>
+        <p:style>
+          <a:lnRef idx="1">
+            <a:schemeClr val="accent1"/>
+          </a:lnRef>
+          <a:fillRef idx="0">
+            <a:schemeClr val="accent1"/>
+          </a:fillRef>
+          <a:effectRef idx="0">
+            <a:schemeClr val="accent1"/>
+          </a:effectRef>
+          <a:fontRef idx="minor">
+            <a:schemeClr val="tx1"/>
+          </a:fontRef>
+        </p:style>
+      </p:cxnSp>
+      <p:sp>
+        <p:nvSpPr>
+          <p:cNvPr id="33" name="流程图: 直接访问存储器 32"/>
+          <p:cNvSpPr/>
+          <p:nvPr/>
+        </p:nvSpPr>
+        <p:spPr>
+          <a:xfrm>
+            <a:off x="8516203" y="5745707"/>
+            <a:ext cx="1978925" cy="620205"/>
+          </a:xfrm>
+          <a:prstGeom prst="flowChartMagneticDrum">
+            <a:avLst/>
+          </a:prstGeom>
+          <a:noFill/>
+        </p:spPr>
+        <p:style>
+          <a:lnRef idx="2">
+            <a:schemeClr val="accent1">
+              <a:shade val="50000"/>
+            </a:schemeClr>
+          </a:lnRef>
+          <a:fillRef idx="1">
+            <a:schemeClr val="accent1"/>
+          </a:fillRef>
+          <a:effectRef idx="0">
+            <a:schemeClr val="accent1"/>
+          </a:effectRef>
+          <a:fontRef idx="minor">
+            <a:schemeClr val="lt1"/>
+          </a:fontRef>
+        </p:style>
+        <p:txBody>
+          <a:bodyPr rtlCol="0" anchor="ctr"/>
+          <a:lstStyle/>
+          <a:p>
+            <a:pPr algn="ctr"/>
+            <a:r>
+              <a:rPr lang="en-US" altLang="zh-CN" dirty="0" smtClean="0">
+                <a:solidFill>
+                  <a:schemeClr val="tx1"/>
+                </a:solidFill>
+              </a:rPr>
+              <a:t>MQ</a:t>
+            </a:r>
+            <a:endParaRPr lang="zh-CN" altLang="en-US" dirty="0">
+              <a:solidFill>
+                <a:schemeClr val="tx1"/>
+              </a:solidFill>
+            </a:endParaRPr>
+          </a:p>
+        </p:txBody>
+      </p:sp>
+      <p:cxnSp>
+        <p:nvCxnSpPr>
+          <p:cNvPr id="34" name="直接箭头连接符 33"/>
+          <p:cNvCxnSpPr>
+            <a:endCxn id="33" idx="0"/>
+          </p:cNvCxnSpPr>
+          <p:nvPr/>
+        </p:nvCxnSpPr>
+        <p:spPr>
+          <a:xfrm>
+            <a:off x="8628914" y="4832844"/>
+            <a:ext cx="876752" cy="912863"/>
+          </a:xfrm>
+          <a:prstGeom prst="straightConnector1">
+            <a:avLst/>
+          </a:prstGeom>
+          <a:ln>
+            <a:tailEnd type="triangle"/>
+          </a:ln>
+        </p:spPr>
+        <p:style>
+          <a:lnRef idx="1">
+            <a:schemeClr val="accent1"/>
+          </a:lnRef>
+          <a:fillRef idx="0">
+            <a:schemeClr val="accent1"/>
+          </a:fillRef>
+          <a:effectRef idx="0">
+            <a:schemeClr val="accent1"/>
+          </a:effectRef>
+          <a:fontRef idx="minor">
+            <a:schemeClr val="tx1"/>
+          </a:fontRef>
+        </p:style>
+      </p:cxnSp>
+      <p:cxnSp>
+        <p:nvCxnSpPr>
+          <p:cNvPr id="36" name="直接箭头连接符 35"/>
+          <p:cNvCxnSpPr/>
+          <p:nvPr/>
+        </p:nvCxnSpPr>
+        <p:spPr>
+          <a:xfrm flipV="1">
+            <a:off x="9526136" y="2983076"/>
+            <a:ext cx="1405721" cy="2764168"/>
+          </a:xfrm>
+          <a:prstGeom prst="straightConnector1">
+            <a:avLst/>
+          </a:prstGeom>
+          <a:ln>
+            <a:tailEnd type="triangle"/>
+          </a:ln>
+        </p:spPr>
+        <p:style>
+          <a:lnRef idx="1">
+            <a:schemeClr val="accent1"/>
+          </a:lnRef>
+          <a:fillRef idx="0">
+            <a:schemeClr val="accent1"/>
+          </a:fillRef>
+          <a:effectRef idx="0">
+            <a:schemeClr val="accent1"/>
+          </a:effectRef>
+          <a:fontRef idx="minor">
+            <a:schemeClr val="tx1"/>
+          </a:fontRef>
+        </p:style>
+      </p:cxnSp>
+      <p:cxnSp>
+        <p:nvCxnSpPr>
+          <p:cNvPr id="40" name="直接箭头连接符 39"/>
+          <p:cNvCxnSpPr/>
+          <p:nvPr/>
+        </p:nvCxnSpPr>
+        <p:spPr>
+          <a:xfrm>
+            <a:off x="3987420" y="3594214"/>
+            <a:ext cx="5171540" cy="2163235"/>
+          </a:xfrm>
+          <a:prstGeom prst="straightConnector1">
+            <a:avLst/>
+          </a:prstGeom>
+          <a:ln>
+            <a:tailEnd type="triangle"/>
+          </a:ln>
+        </p:spPr>
+        <p:style>
+          <a:lnRef idx="1">
+            <a:schemeClr val="accent1"/>
+          </a:lnRef>
+          <a:fillRef idx="0">
+            <a:schemeClr val="accent1"/>
+          </a:fillRef>
+          <a:effectRef idx="0">
+            <a:schemeClr val="accent1"/>
+          </a:effectRef>
+          <a:fontRef idx="minor">
+            <a:schemeClr val="tx1"/>
+          </a:fontRef>
+        </p:style>
+      </p:cxnSp>
+      <p:sp>
+        <p:nvSpPr>
+          <p:cNvPr id="46" name="流程图: 卡片 45"/>
+          <p:cNvSpPr/>
+          <p:nvPr/>
+        </p:nvSpPr>
+        <p:spPr>
+          <a:xfrm>
+            <a:off x="1266094" y="5497580"/>
+            <a:ext cx="914400" cy="804672"/>
+          </a:xfrm>
+          <a:prstGeom prst="flowChartPunchedCard">
+            <a:avLst/>
+          </a:prstGeom>
+          <a:noFill/>
+        </p:spPr>
+        <p:style>
+          <a:lnRef idx="2">
+            <a:schemeClr val="accent1">
+              <a:shade val="50000"/>
+            </a:schemeClr>
+          </a:lnRef>
+          <a:fillRef idx="1">
+            <a:schemeClr val="accent1"/>
+          </a:fillRef>
+          <a:effectRef idx="0">
+            <a:schemeClr val="accent1"/>
+          </a:effectRef>
+          <a:fontRef idx="minor">
+            <a:schemeClr val="lt1"/>
+          </a:fontRef>
+        </p:style>
+        <p:txBody>
+          <a:bodyPr rtlCol="0" anchor="ctr"/>
+          <a:lstStyle/>
+          <a:p>
+            <a:pPr algn="ctr"/>
+            <a:r>
+              <a:rPr lang="en-US" altLang="zh-CN" dirty="0" smtClean="0">
+                <a:solidFill>
+                  <a:schemeClr val="tx1"/>
+                </a:solidFill>
+              </a:rPr>
+              <a:t>Cache</a:t>
+            </a:r>
+            <a:endParaRPr lang="zh-CN" altLang="en-US" dirty="0">
+              <a:solidFill>
+                <a:schemeClr val="tx1"/>
+              </a:solidFill>
+            </a:endParaRPr>
+          </a:p>
+        </p:txBody>
+      </p:sp>
+      <p:cxnSp>
+        <p:nvCxnSpPr>
+          <p:cNvPr id="48" name="直接箭头连接符 47"/>
+          <p:cNvCxnSpPr/>
+          <p:nvPr/>
+        </p:nvCxnSpPr>
+        <p:spPr>
+          <a:xfrm flipH="1">
+            <a:off x="2019869" y="3637512"/>
+            <a:ext cx="1107742" cy="1651763"/>
+          </a:xfrm>
+          <a:prstGeom prst="straightConnector1">
+            <a:avLst/>
+          </a:prstGeom>
+          <a:ln>
+            <a:tailEnd type="triangle"/>
+          </a:ln>
+        </p:spPr>
+        <p:style>
+          <a:lnRef idx="1">
+            <a:schemeClr val="accent1"/>
+          </a:lnRef>
+          <a:fillRef idx="0">
+            <a:schemeClr val="accent1"/>
+          </a:fillRef>
+          <a:effectRef idx="0">
+            <a:schemeClr val="accent1"/>
+          </a:effectRef>
+          <a:fontRef idx="minor">
+            <a:schemeClr val="tx1"/>
+          </a:fontRef>
+        </p:style>
+      </p:cxnSp>
+      <p:cxnSp>
+        <p:nvCxnSpPr>
+          <p:cNvPr id="50" name="直接箭头连接符 49"/>
+          <p:cNvCxnSpPr/>
+          <p:nvPr/>
+        </p:nvCxnSpPr>
+        <p:spPr>
+          <a:xfrm>
+            <a:off x="780303" y="3508051"/>
+            <a:ext cx="873737" cy="1711641"/>
+          </a:xfrm>
+          <a:prstGeom prst="straightConnector1">
+            <a:avLst/>
+          </a:prstGeom>
+          <a:ln>
+            <a:tailEnd type="triangle"/>
+          </a:ln>
+        </p:spPr>
+        <p:style>
+          <a:lnRef idx="1">
+            <a:schemeClr val="accent1"/>
+          </a:lnRef>
+          <a:fillRef idx="0">
+            <a:schemeClr val="accent1"/>
+          </a:fillRef>
+          <a:effectRef idx="0">
+            <a:schemeClr val="accent1"/>
+          </a:effectRef>
+          <a:fontRef idx="minor">
+            <a:schemeClr val="tx1"/>
+          </a:fontRef>
+        </p:style>
+      </p:cxnSp>
+      <p:sp>
+        <p:nvSpPr>
+          <p:cNvPr id="51" name="流程图: 过程 50"/>
+          <p:cNvSpPr/>
+          <p:nvPr/>
+        </p:nvSpPr>
+        <p:spPr>
+          <a:xfrm>
+            <a:off x="166064" y="2175756"/>
+            <a:ext cx="1685498" cy="1052999"/>
+          </a:xfrm>
+          <a:prstGeom prst="flowChartProcess">
+            <a:avLst/>
+          </a:prstGeom>
+          <a:noFill/>
+        </p:spPr>
+        <p:style>
+          <a:lnRef idx="2">
+            <a:schemeClr val="accent1">
+              <a:shade val="50000"/>
+            </a:schemeClr>
+          </a:lnRef>
+          <a:fillRef idx="1">
+            <a:schemeClr val="accent1"/>
+          </a:fillRef>
+          <a:effectRef idx="0">
+            <a:schemeClr val="accent1"/>
+          </a:effectRef>
+          <a:fontRef idx="minor">
+            <a:schemeClr val="lt1"/>
+          </a:fontRef>
+        </p:style>
+        <p:txBody>
+          <a:bodyPr rtlCol="0" anchor="ctr"/>
+          <a:lstStyle/>
+          <a:p>
+            <a:pPr algn="ctr"/>
+            <a:endParaRPr lang="zh-CN" altLang="en-US"/>
+          </a:p>
+        </p:txBody>
+      </p:sp>
+    </p:spTree>
+    <p:extLst>
+      <p:ext uri="{BB962C8B-B14F-4D97-AF65-F5344CB8AC3E}">
+        <p14:creationId xmlns:p14="http://schemas.microsoft.com/office/powerpoint/2010/main" val="3254463278"/>
+      </p:ext>
+    </p:extLst>
+  </p:cSld>
+  <p:clrMapOvr>
+    <a:masterClrMapping/>
+  </p:clrMapOvr>
+</p:sld>
+</file>
+
+<file path=ppt/slides/slide9.xml><?xml version="1.0" encoding="utf-8"?>
+<p:sld xmlns:a="http://schemas.openxmlformats.org/drawingml/2006/main" xmlns:r="http://schemas.openxmlformats.org/officeDocument/2006/relationships" xmlns:p="http://schemas.openxmlformats.org/presentationml/2006/main">
+  <p:cSld>
+    <p:spTree>
+      <p:nvGrpSpPr>
+        <p:cNvPr id="1" name=""/>
+        <p:cNvGrpSpPr/>
+        <p:nvPr/>
+      </p:nvGrpSpPr>
+      <p:grpSpPr>
+        <a:xfrm>
+          <a:off x="0" y="0"/>
+          <a:ext cx="0" cy="0"/>
+          <a:chOff x="0" y="0"/>
+          <a:chExt cx="0" cy="0"/>
+        </a:xfrm>
+      </p:grpSpPr>
+      <p:sp>
+        <p:nvSpPr>
+          <p:cNvPr id="2" name="标题 1"/>
+          <p:cNvSpPr>
+            <a:spLocks noGrp="1"/>
+          </p:cNvSpPr>
+          <p:nvPr>
+            <p:ph type="title"/>
+          </p:nvPr>
+        </p:nvSpPr>
+        <p:spPr/>
+        <p:txBody>
+          <a:bodyPr/>
+          <a:lstStyle/>
+          <a:p>
+            <a:r>
+              <a:rPr lang="zh-CN" altLang="en-US" dirty="0" smtClean="0"/>
+              <a:t>技术路线的选择</a:t>
+            </a:r>
+            <a:endParaRPr lang="zh-CN" altLang="en-US" dirty="0"/>
+          </a:p>
+        </p:txBody>
+      </p:sp>
+    </p:spTree>
+    <p:extLst>
+      <p:ext uri="{BB962C8B-B14F-4D97-AF65-F5344CB8AC3E}">
+        <p14:creationId xmlns:p14="http://schemas.microsoft.com/office/powerpoint/2010/main" val="3363799959"/>
       </p:ext>
     </p:extLst>
   </p:cSld>
